--- a/ppt_presentasi_rabu_laravel.pptx
+++ b/ppt_presentasi_rabu_laravel.pptx
@@ -7,21 +7,22 @@
   <p:sldIdLst>
     <p:sldId id="257" r:id="rId2"/>
     <p:sldId id="261" r:id="rId3"/>
-    <p:sldId id="258" r:id="rId4"/>
-    <p:sldId id="262" r:id="rId5"/>
-    <p:sldId id="263" r:id="rId6"/>
-    <p:sldId id="264" r:id="rId7"/>
-    <p:sldId id="265" r:id="rId8"/>
-    <p:sldId id="266" r:id="rId9"/>
-    <p:sldId id="267" r:id="rId10"/>
-    <p:sldId id="268" r:id="rId11"/>
-    <p:sldId id="269" r:id="rId12"/>
-    <p:sldId id="270" r:id="rId13"/>
-    <p:sldId id="271" r:id="rId14"/>
-    <p:sldId id="272" r:id="rId15"/>
-    <p:sldId id="273" r:id="rId16"/>
-    <p:sldId id="274" r:id="rId17"/>
-    <p:sldId id="275" r:id="rId18"/>
+    <p:sldId id="276" r:id="rId4"/>
+    <p:sldId id="258" r:id="rId5"/>
+    <p:sldId id="262" r:id="rId6"/>
+    <p:sldId id="263" r:id="rId7"/>
+    <p:sldId id="264" r:id="rId8"/>
+    <p:sldId id="265" r:id="rId9"/>
+    <p:sldId id="266" r:id="rId10"/>
+    <p:sldId id="267" r:id="rId11"/>
+    <p:sldId id="268" r:id="rId12"/>
+    <p:sldId id="269" r:id="rId13"/>
+    <p:sldId id="270" r:id="rId14"/>
+    <p:sldId id="271" r:id="rId15"/>
+    <p:sldId id="272" r:id="rId16"/>
+    <p:sldId id="273" r:id="rId17"/>
+    <p:sldId id="274" r:id="rId18"/>
+    <p:sldId id="275" r:id="rId19"/>
   </p:sldIdLst>
   <p:sldSz cx="12192000" cy="6858000"/>
   <p:notesSz cx="6858000" cy="9144000"/>
@@ -3421,6 +3422,283 @@
       </p:sp>
       <p:pic>
         <p:nvPicPr>
+          <p:cNvPr id="3" name="Picture 2">
+            <a:extLst>
+              <a:ext uri="{FF2B5EF4-FFF2-40B4-BE49-F238E27FC236}">
+                <a16:creationId xmlns:a16="http://schemas.microsoft.com/office/drawing/2014/main" id="{1D3A3385-7810-4B92-80F1-C5D5F7092248}"/>
+              </a:ext>
+            </a:extLst>
+          </p:cNvPr>
+          <p:cNvPicPr>
+            <a:picLocks noChangeAspect="1"/>
+          </p:cNvPicPr>
+          <p:nvPr/>
+        </p:nvPicPr>
+        <p:blipFill>
+          <a:blip r:embed="rId2"/>
+          <a:stretch>
+            <a:fillRect/>
+          </a:stretch>
+        </p:blipFill>
+        <p:spPr>
+          <a:xfrm>
+            <a:off x="574816" y="841804"/>
+            <a:ext cx="5358005" cy="2791733"/>
+          </a:xfrm>
+          <a:prstGeom prst="rect">
+            <a:avLst/>
+          </a:prstGeom>
+          <a:ln>
+            <a:solidFill>
+              <a:srgbClr val="92D050"/>
+            </a:solidFill>
+          </a:ln>
+        </p:spPr>
+      </p:pic>
+      <p:sp>
+        <p:nvSpPr>
+          <p:cNvPr id="17" name="TextBox 16">
+            <a:extLst>
+              <a:ext uri="{FF2B5EF4-FFF2-40B4-BE49-F238E27FC236}">
+                <a16:creationId xmlns:a16="http://schemas.microsoft.com/office/drawing/2014/main" id="{5BBA0E19-10C8-42EA-876F-23D3889D1120}"/>
+              </a:ext>
+            </a:extLst>
+          </p:cNvPr>
+          <p:cNvSpPr txBox="1"/>
+          <p:nvPr/>
+        </p:nvSpPr>
+        <p:spPr>
+          <a:xfrm>
+            <a:off x="574816" y="432485"/>
+            <a:ext cx="4695958" cy="369332"/>
+          </a:xfrm>
+          <a:prstGeom prst="rect">
+            <a:avLst/>
+          </a:prstGeom>
+          <a:noFill/>
+        </p:spPr>
+        <p:txBody>
+          <a:bodyPr wrap="square" rtlCol="0">
+            <a:spAutoFit/>
+          </a:bodyPr>
+          <a:lstStyle/>
+          <a:p>
+            <a:r>
+              <a:rPr lang="en-US" dirty="0">
+                <a:solidFill>
+                  <a:schemeClr val="bg1"/>
+                </a:solidFill>
+                <a:latin typeface="Cascadia Code" panose="020B0609020000020004" pitchFamily="49" charset="0"/>
+                <a:ea typeface="Cascadia Code" panose="020B0609020000020004" pitchFamily="49" charset="0"/>
+                <a:cs typeface="Cascadia Code" panose="020B0609020000020004" pitchFamily="49" charset="0"/>
+              </a:rPr>
+              <a:t>READ</a:t>
+            </a:r>
+            <a:endParaRPr lang="en-ID" dirty="0">
+              <a:solidFill>
+                <a:schemeClr val="bg1"/>
+              </a:solidFill>
+              <a:latin typeface="Cascadia Code" panose="020B0609020000020004" pitchFamily="49" charset="0"/>
+              <a:ea typeface="Cascadia Code" panose="020B0609020000020004" pitchFamily="49" charset="0"/>
+              <a:cs typeface="Cascadia Code" panose="020B0609020000020004" pitchFamily="49" charset="0"/>
+            </a:endParaRPr>
+          </a:p>
+        </p:txBody>
+      </p:sp>
+      <p:pic>
+        <p:nvPicPr>
+          <p:cNvPr id="9" name="Picture 8">
+            <a:extLst>
+              <a:ext uri="{FF2B5EF4-FFF2-40B4-BE49-F238E27FC236}">
+                <a16:creationId xmlns:a16="http://schemas.microsoft.com/office/drawing/2014/main" id="{2F6AAEF7-21F6-46CD-969B-253FB37BE743}"/>
+              </a:ext>
+            </a:extLst>
+          </p:cNvPr>
+          <p:cNvPicPr>
+            <a:picLocks noChangeAspect="1"/>
+          </p:cNvPicPr>
+          <p:nvPr/>
+        </p:nvPicPr>
+        <p:blipFill>
+          <a:blip r:embed="rId3"/>
+          <a:stretch>
+            <a:fillRect/>
+          </a:stretch>
+        </p:blipFill>
+        <p:spPr>
+          <a:xfrm>
+            <a:off x="903061" y="3875286"/>
+            <a:ext cx="4695958" cy="2614163"/>
+          </a:xfrm>
+          <a:prstGeom prst="rect">
+            <a:avLst/>
+          </a:prstGeom>
+        </p:spPr>
+      </p:pic>
+      <p:pic>
+        <p:nvPicPr>
+          <p:cNvPr id="7" name="Picture 6">
+            <a:extLst>
+              <a:ext uri="{FF2B5EF4-FFF2-40B4-BE49-F238E27FC236}">
+                <a16:creationId xmlns:a16="http://schemas.microsoft.com/office/drawing/2014/main" id="{4B3DECC9-DF84-4FED-A9AA-B0CFA8647A99}"/>
+              </a:ext>
+            </a:extLst>
+          </p:cNvPr>
+          <p:cNvPicPr>
+            <a:picLocks noChangeAspect="1"/>
+          </p:cNvPicPr>
+          <p:nvPr/>
+        </p:nvPicPr>
+        <p:blipFill rotWithShape="1">
+          <a:blip r:embed="rId4"/>
+          <a:srcRect b="52676"/>
+          <a:stretch/>
+        </p:blipFill>
+        <p:spPr>
+          <a:xfrm>
+            <a:off x="6510551" y="1572803"/>
+            <a:ext cx="5358005" cy="1270146"/>
+          </a:xfrm>
+          <a:prstGeom prst="rect">
+            <a:avLst/>
+          </a:prstGeom>
+          <a:ln>
+            <a:solidFill>
+              <a:srgbClr val="92D050"/>
+            </a:solidFill>
+          </a:ln>
+        </p:spPr>
+      </p:pic>
+      <p:pic>
+        <p:nvPicPr>
+          <p:cNvPr id="6" name="Picture 5">
+            <a:extLst>
+              <a:ext uri="{FF2B5EF4-FFF2-40B4-BE49-F238E27FC236}">
+                <a16:creationId xmlns:a16="http://schemas.microsoft.com/office/drawing/2014/main" id="{D9758C7C-E860-496A-9A59-E7C44782B0C5}"/>
+              </a:ext>
+            </a:extLst>
+          </p:cNvPr>
+          <p:cNvPicPr>
+            <a:picLocks noChangeAspect="1"/>
+          </p:cNvPicPr>
+          <p:nvPr/>
+        </p:nvPicPr>
+        <p:blipFill rotWithShape="1">
+          <a:blip r:embed="rId4"/>
+          <a:srcRect l="-193" t="52676" r="193"/>
+          <a:stretch/>
+        </p:blipFill>
+        <p:spPr>
+          <a:xfrm>
+            <a:off x="6510550" y="4564304"/>
+            <a:ext cx="5358005" cy="1270146"/>
+          </a:xfrm>
+          <a:prstGeom prst="rect">
+            <a:avLst/>
+          </a:prstGeom>
+          <a:ln>
+            <a:solidFill>
+              <a:srgbClr val="92D050"/>
+            </a:solidFill>
+          </a:ln>
+        </p:spPr>
+      </p:pic>
+    </p:spTree>
+    <p:extLst>
+      <p:ext uri="{BB962C8B-B14F-4D97-AF65-F5344CB8AC3E}">
+        <p14:creationId xmlns:p14="http://schemas.microsoft.com/office/powerpoint/2010/main" val="3693797812"/>
+      </p:ext>
+    </p:extLst>
+  </p:cSld>
+  <p:clrMapOvr>
+    <a:masterClrMapping/>
+  </p:clrMapOvr>
+  <mc:AlternateContent xmlns:mc="http://schemas.openxmlformats.org/markup-compatibility/2006" xmlns:p159="http://schemas.microsoft.com/office/powerpoint/2015/09/main">
+    <mc:Choice Requires="p159">
+      <p:transition xmlns:p14="http://schemas.microsoft.com/office/powerpoint/2010/main" spd="slow" p14:dur="2000">
+        <p159:morph option="byObject"/>
+      </p:transition>
+    </mc:Choice>
+    <mc:Fallback xmlns="">
+      <p:transition spd="slow">
+        <p:fade/>
+      </p:transition>
+    </mc:Fallback>
+  </mc:AlternateContent>
+</p:sld>
+</file>
+
+<file path=ppt/slides/slide11.xml><?xml version="1.0" encoding="utf-8"?>
+<p:sld xmlns:a="http://schemas.openxmlformats.org/drawingml/2006/main" xmlns:r="http://schemas.openxmlformats.org/officeDocument/2006/relationships" xmlns:p="http://schemas.openxmlformats.org/presentationml/2006/main">
+  <p:cSld>
+    <p:spTree>
+      <p:nvGrpSpPr>
+        <p:cNvPr id="1" name=""/>
+        <p:cNvGrpSpPr/>
+        <p:nvPr/>
+      </p:nvGrpSpPr>
+      <p:grpSpPr>
+        <a:xfrm>
+          <a:off x="0" y="0"/>
+          <a:ext cx="0" cy="0"/>
+          <a:chOff x="0" y="0"/>
+          <a:chExt cx="0" cy="0"/>
+        </a:xfrm>
+      </p:grpSpPr>
+      <p:sp>
+        <p:nvSpPr>
+          <p:cNvPr id="5" name="Rectangle 4">
+            <a:extLst>
+              <a:ext uri="{FF2B5EF4-FFF2-40B4-BE49-F238E27FC236}">
+                <a16:creationId xmlns:a16="http://schemas.microsoft.com/office/drawing/2014/main" id="{68F4E6F4-69BC-4C63-A4CA-E4B9198E80B8}"/>
+              </a:ext>
+            </a:extLst>
+          </p:cNvPr>
+          <p:cNvSpPr/>
+          <p:nvPr/>
+        </p:nvSpPr>
+        <p:spPr>
+          <a:xfrm>
+            <a:off x="-792480" y="0"/>
+            <a:ext cx="13685520" cy="7437120"/>
+          </a:xfrm>
+          <a:prstGeom prst="rect">
+            <a:avLst/>
+          </a:prstGeom>
+          <a:solidFill>
+            <a:srgbClr val="1F1F1F"/>
+          </a:solidFill>
+          <a:ln>
+            <a:noFill/>
+          </a:ln>
+        </p:spPr>
+        <p:style>
+          <a:lnRef idx="2">
+            <a:schemeClr val="accent1">
+              <a:shade val="50000"/>
+            </a:schemeClr>
+          </a:lnRef>
+          <a:fillRef idx="1">
+            <a:schemeClr val="accent1"/>
+          </a:fillRef>
+          <a:effectRef idx="0">
+            <a:schemeClr val="accent1"/>
+          </a:effectRef>
+          <a:fontRef idx="minor">
+            <a:schemeClr val="lt1"/>
+          </a:fontRef>
+        </p:style>
+        <p:txBody>
+          <a:bodyPr rtlCol="0" anchor="ctr"/>
+          <a:lstStyle/>
+          <a:p>
+            <a:pPr algn="ctr"/>
+            <a:endParaRPr lang="en-ID" dirty="0"/>
+          </a:p>
+        </p:txBody>
+      </p:sp>
+      <p:pic>
+        <p:nvPicPr>
           <p:cNvPr id="2" name="Picture 1">
             <a:extLst>
               <a:ext uri="{FF2B5EF4-FFF2-40B4-BE49-F238E27FC236}">
@@ -3678,7 +3956,7 @@
 </p:sld>
 </file>
 
-<file path=ppt/slides/slide11.xml><?xml version="1.0" encoding="utf-8"?>
+<file path=ppt/slides/slide12.xml><?xml version="1.0" encoding="utf-8"?>
 <p:sld xmlns:a="http://schemas.openxmlformats.org/drawingml/2006/main" xmlns:r="http://schemas.openxmlformats.org/officeDocument/2006/relationships" xmlns:p="http://schemas.openxmlformats.org/presentationml/2006/main" show="0">
   <p:cSld>
     <p:spTree>
@@ -4301,295 +4579,6 @@
 </p:sld>
 </file>
 
-<file path=ppt/slides/slide12.xml><?xml version="1.0" encoding="utf-8"?>
-<p:sld xmlns:a="http://schemas.openxmlformats.org/drawingml/2006/main" xmlns:r="http://schemas.openxmlformats.org/officeDocument/2006/relationships" xmlns:p="http://schemas.openxmlformats.org/presentationml/2006/main">
-  <p:cSld>
-    <p:spTree>
-      <p:nvGrpSpPr>
-        <p:cNvPr id="1" name=""/>
-        <p:cNvGrpSpPr/>
-        <p:nvPr/>
-      </p:nvGrpSpPr>
-      <p:grpSpPr>
-        <a:xfrm>
-          <a:off x="0" y="0"/>
-          <a:ext cx="0" cy="0"/>
-          <a:chOff x="0" y="0"/>
-          <a:chExt cx="0" cy="0"/>
-        </a:xfrm>
-      </p:grpSpPr>
-      <p:sp>
-        <p:nvSpPr>
-          <p:cNvPr id="5" name="Rectangle 4">
-            <a:extLst>
-              <a:ext uri="{FF2B5EF4-FFF2-40B4-BE49-F238E27FC236}">
-                <a16:creationId xmlns:a16="http://schemas.microsoft.com/office/drawing/2014/main" id="{68F4E6F4-69BC-4C63-A4CA-E4B9198E80B8}"/>
-              </a:ext>
-            </a:extLst>
-          </p:cNvPr>
-          <p:cNvSpPr/>
-          <p:nvPr/>
-        </p:nvSpPr>
-        <p:spPr>
-          <a:xfrm>
-            <a:off x="-792480" y="0"/>
-            <a:ext cx="13685520" cy="7437120"/>
-          </a:xfrm>
-          <a:prstGeom prst="rect">
-            <a:avLst/>
-          </a:prstGeom>
-          <a:solidFill>
-            <a:srgbClr val="1F1F1F"/>
-          </a:solidFill>
-          <a:ln>
-            <a:noFill/>
-          </a:ln>
-        </p:spPr>
-        <p:style>
-          <a:lnRef idx="2">
-            <a:schemeClr val="accent1">
-              <a:shade val="50000"/>
-            </a:schemeClr>
-          </a:lnRef>
-          <a:fillRef idx="1">
-            <a:schemeClr val="accent1"/>
-          </a:fillRef>
-          <a:effectRef idx="0">
-            <a:schemeClr val="accent1"/>
-          </a:effectRef>
-          <a:fontRef idx="minor">
-            <a:schemeClr val="lt1"/>
-          </a:fontRef>
-        </p:style>
-        <p:txBody>
-          <a:bodyPr rtlCol="0" anchor="ctr"/>
-          <a:lstStyle/>
-          <a:p>
-            <a:pPr algn="ctr"/>
-            <a:endParaRPr lang="en-ID" dirty="0"/>
-          </a:p>
-        </p:txBody>
-      </p:sp>
-      <p:sp>
-        <p:nvSpPr>
-          <p:cNvPr id="10" name="TextBox 9">
-            <a:extLst>
-              <a:ext uri="{FF2B5EF4-FFF2-40B4-BE49-F238E27FC236}">
-                <a16:creationId xmlns:a16="http://schemas.microsoft.com/office/drawing/2014/main" id="{E3AB1CAB-27D1-4F29-BED9-1ED1066CDA7C}"/>
-              </a:ext>
-            </a:extLst>
-          </p:cNvPr>
-          <p:cNvSpPr txBox="1"/>
-          <p:nvPr/>
-        </p:nvSpPr>
-        <p:spPr>
-          <a:xfrm>
-            <a:off x="574816" y="596608"/>
-            <a:ext cx="4695958" cy="369332"/>
-          </a:xfrm>
-          <a:prstGeom prst="rect">
-            <a:avLst/>
-          </a:prstGeom>
-          <a:noFill/>
-        </p:spPr>
-        <p:txBody>
-          <a:bodyPr wrap="square" rtlCol="0">
-            <a:spAutoFit/>
-          </a:bodyPr>
-          <a:lstStyle/>
-          <a:p>
-            <a:r>
-              <a:rPr lang="en-US" dirty="0">
-                <a:solidFill>
-                  <a:schemeClr val="bg1"/>
-                </a:solidFill>
-                <a:latin typeface="Cascadia Code" panose="020B0609020000020004" pitchFamily="49" charset="0"/>
-                <a:ea typeface="Cascadia Code" panose="020B0609020000020004" pitchFamily="49" charset="0"/>
-                <a:cs typeface="Cascadia Code" panose="020B0609020000020004" pitchFamily="49" charset="0"/>
-              </a:rPr>
-              <a:t>UPDATE</a:t>
-            </a:r>
-            <a:endParaRPr lang="en-ID" dirty="0">
-              <a:solidFill>
-                <a:schemeClr val="bg1"/>
-              </a:solidFill>
-              <a:latin typeface="Cascadia Code" panose="020B0609020000020004" pitchFamily="49" charset="0"/>
-              <a:ea typeface="Cascadia Code" panose="020B0609020000020004" pitchFamily="49" charset="0"/>
-              <a:cs typeface="Cascadia Code" panose="020B0609020000020004" pitchFamily="49" charset="0"/>
-            </a:endParaRPr>
-          </a:p>
-        </p:txBody>
-      </p:sp>
-      <p:pic>
-        <p:nvPicPr>
-          <p:cNvPr id="13" name="Picture 12">
-            <a:extLst>
-              <a:ext uri="{FF2B5EF4-FFF2-40B4-BE49-F238E27FC236}">
-                <a16:creationId xmlns:a16="http://schemas.microsoft.com/office/drawing/2014/main" id="{7AFA6DB8-7D39-4E4C-897C-01D64AF51412}"/>
-              </a:ext>
-            </a:extLst>
-          </p:cNvPr>
-          <p:cNvPicPr>
-            <a:picLocks noChangeAspect="1"/>
-          </p:cNvPicPr>
-          <p:nvPr/>
-        </p:nvPicPr>
-        <p:blipFill>
-          <a:blip r:embed="rId2"/>
-          <a:stretch>
-            <a:fillRect/>
-          </a:stretch>
-        </p:blipFill>
-        <p:spPr>
-          <a:xfrm>
-            <a:off x="549948" y="-5499509"/>
-            <a:ext cx="11092104" cy="4567738"/>
-          </a:xfrm>
-          <a:prstGeom prst="rect">
-            <a:avLst/>
-          </a:prstGeom>
-        </p:spPr>
-      </p:pic>
-      <p:pic>
-        <p:nvPicPr>
-          <p:cNvPr id="14" name="Picture 13">
-            <a:extLst>
-              <a:ext uri="{FF2B5EF4-FFF2-40B4-BE49-F238E27FC236}">
-                <a16:creationId xmlns:a16="http://schemas.microsoft.com/office/drawing/2014/main" id="{07796083-7E71-404C-A1C7-438ED37F4966}"/>
-              </a:ext>
-            </a:extLst>
-          </p:cNvPr>
-          <p:cNvPicPr>
-            <a:picLocks noChangeAspect="1"/>
-          </p:cNvPicPr>
-          <p:nvPr/>
-        </p:nvPicPr>
-        <p:blipFill>
-          <a:blip r:embed="rId3"/>
-          <a:stretch>
-            <a:fillRect/>
-          </a:stretch>
-        </p:blipFill>
-        <p:spPr>
-          <a:xfrm>
-            <a:off x="6096000" y="-1955160"/>
-            <a:ext cx="3939881" cy="655377"/>
-          </a:xfrm>
-          <a:prstGeom prst="rect">
-            <a:avLst/>
-          </a:prstGeom>
-        </p:spPr>
-      </p:pic>
-      <p:pic>
-        <p:nvPicPr>
-          <p:cNvPr id="6" name="Picture 5">
-            <a:extLst>
-              <a:ext uri="{FF2B5EF4-FFF2-40B4-BE49-F238E27FC236}">
-                <a16:creationId xmlns:a16="http://schemas.microsoft.com/office/drawing/2014/main" id="{D50E2C30-9C66-45DD-AA40-F66688EFA80B}"/>
-              </a:ext>
-            </a:extLst>
-          </p:cNvPr>
-          <p:cNvPicPr>
-            <a:picLocks noChangeAspect="1"/>
-          </p:cNvPicPr>
-          <p:nvPr/>
-        </p:nvPicPr>
-        <p:blipFill>
-          <a:blip r:embed="rId4"/>
-          <a:stretch>
-            <a:fillRect/>
-          </a:stretch>
-        </p:blipFill>
-        <p:spPr>
-          <a:xfrm>
-            <a:off x="2553410" y="1070834"/>
-            <a:ext cx="7085180" cy="5295452"/>
-          </a:xfrm>
-          <a:prstGeom prst="rect">
-            <a:avLst/>
-          </a:prstGeom>
-          <a:ln>
-            <a:solidFill>
-              <a:srgbClr val="92D050"/>
-            </a:solidFill>
-          </a:ln>
-        </p:spPr>
-      </p:pic>
-      <p:sp>
-        <p:nvSpPr>
-          <p:cNvPr id="15" name="TextBox 14">
-            <a:extLst>
-              <a:ext uri="{FF2B5EF4-FFF2-40B4-BE49-F238E27FC236}">
-                <a16:creationId xmlns:a16="http://schemas.microsoft.com/office/drawing/2014/main" id="{D4BB1437-B1D3-4098-B7EE-936B1A27B5C4}"/>
-              </a:ext>
-            </a:extLst>
-          </p:cNvPr>
-          <p:cNvSpPr txBox="1"/>
-          <p:nvPr/>
-        </p:nvSpPr>
-        <p:spPr>
-          <a:xfrm>
-            <a:off x="727216" y="7542014"/>
-            <a:ext cx="4695958" cy="369332"/>
-          </a:xfrm>
-          <a:prstGeom prst="rect">
-            <a:avLst/>
-          </a:prstGeom>
-          <a:noFill/>
-        </p:spPr>
-        <p:txBody>
-          <a:bodyPr wrap="square" rtlCol="0">
-            <a:spAutoFit/>
-          </a:bodyPr>
-          <a:lstStyle/>
-          <a:p>
-            <a:r>
-              <a:rPr lang="en-US" dirty="0">
-                <a:solidFill>
-                  <a:schemeClr val="bg1"/>
-                </a:solidFill>
-                <a:latin typeface="Cascadia Code" panose="020B0609020000020004" pitchFamily="49" charset="0"/>
-                <a:ea typeface="Cascadia Code" panose="020B0609020000020004" pitchFamily="49" charset="0"/>
-                <a:cs typeface="Cascadia Code" panose="020B0609020000020004" pitchFamily="49" charset="0"/>
-              </a:rPr>
-              <a:t>DELETE</a:t>
-            </a:r>
-            <a:endParaRPr lang="en-ID" dirty="0">
-              <a:solidFill>
-                <a:schemeClr val="bg1"/>
-              </a:solidFill>
-              <a:latin typeface="Cascadia Code" panose="020B0609020000020004" pitchFamily="49" charset="0"/>
-              <a:ea typeface="Cascadia Code" panose="020B0609020000020004" pitchFamily="49" charset="0"/>
-              <a:cs typeface="Cascadia Code" panose="020B0609020000020004" pitchFamily="49" charset="0"/>
-            </a:endParaRPr>
-          </a:p>
-        </p:txBody>
-      </p:sp>
-    </p:spTree>
-    <p:extLst>
-      <p:ext uri="{BB962C8B-B14F-4D97-AF65-F5344CB8AC3E}">
-        <p14:creationId xmlns:p14="http://schemas.microsoft.com/office/powerpoint/2010/main" val="650131418"/>
-      </p:ext>
-    </p:extLst>
-  </p:cSld>
-  <p:clrMapOvr>
-    <a:masterClrMapping/>
-  </p:clrMapOvr>
-  <mc:AlternateContent xmlns:mc="http://schemas.openxmlformats.org/markup-compatibility/2006" xmlns:p159="http://schemas.microsoft.com/office/powerpoint/2015/09/main">
-    <mc:Choice Requires="p159">
-      <p:transition xmlns:p14="http://schemas.microsoft.com/office/powerpoint/2010/main" spd="slow" p14:dur="2000">
-        <p159:morph option="byObject"/>
-      </p:transition>
-    </mc:Choice>
-    <mc:Fallback xmlns="">
-      <p:transition spd="slow">
-        <p:fade/>
-      </p:transition>
-    </mc:Fallback>
-  </mc:AlternateContent>
-</p:sld>
-</file>
-
 <file path=ppt/slides/slide13.xml><?xml version="1.0" encoding="utf-8"?>
 <p:sld xmlns:a="http://schemas.openxmlformats.org/drawingml/2006/main" xmlns:r="http://schemas.openxmlformats.org/officeDocument/2006/relationships" xmlns:p="http://schemas.openxmlformats.org/presentationml/2006/main">
   <p:cSld>
@@ -4673,7 +4662,7 @@
         </p:nvSpPr>
         <p:spPr>
           <a:xfrm>
-            <a:off x="574816" y="-6337592"/>
+            <a:off x="574816" y="596608"/>
             <a:ext cx="4695958" cy="369332"/>
           </a:xfrm>
           <a:prstGeom prst="rect">
@@ -4711,10 +4700,10 @@
       </p:sp>
       <p:pic>
         <p:nvPicPr>
-          <p:cNvPr id="6" name="Picture 5">
+          <p:cNvPr id="13" name="Picture 12">
             <a:extLst>
               <a:ext uri="{FF2B5EF4-FFF2-40B4-BE49-F238E27FC236}">
-                <a16:creationId xmlns:a16="http://schemas.microsoft.com/office/drawing/2014/main" id="{D50E2C30-9C66-45DD-AA40-F66688EFA80B}"/>
+                <a16:creationId xmlns:a16="http://schemas.microsoft.com/office/drawing/2014/main" id="{7AFA6DB8-7D39-4E4C-897C-01D64AF51412}"/>
               </a:ext>
             </a:extLst>
           </p:cNvPr>
@@ -4731,75 +4720,20 @@
         </p:blipFill>
         <p:spPr>
           <a:xfrm>
-            <a:off x="2553410" y="-5863366"/>
-            <a:ext cx="7085180" cy="5295452"/>
+            <a:off x="549948" y="-5499509"/>
+            <a:ext cx="11092104" cy="4567738"/>
           </a:xfrm>
           <a:prstGeom prst="rect">
             <a:avLst/>
           </a:prstGeom>
-          <a:ln>
-            <a:solidFill>
-              <a:srgbClr val="92D050"/>
-            </a:solidFill>
-          </a:ln>
         </p:spPr>
       </p:pic>
-      <p:sp>
-        <p:nvSpPr>
-          <p:cNvPr id="7" name="TextBox 6">
-            <a:extLst>
-              <a:ext uri="{FF2B5EF4-FFF2-40B4-BE49-F238E27FC236}">
-                <a16:creationId xmlns:a16="http://schemas.microsoft.com/office/drawing/2014/main" id="{C6AF608D-ABCB-4083-9051-7E8563AC3B61}"/>
-              </a:ext>
-            </a:extLst>
-          </p:cNvPr>
-          <p:cNvSpPr txBox="1"/>
-          <p:nvPr/>
-        </p:nvSpPr>
-        <p:spPr>
-          <a:xfrm>
-            <a:off x="574816" y="596608"/>
-            <a:ext cx="4695958" cy="369332"/>
-          </a:xfrm>
-          <a:prstGeom prst="rect">
-            <a:avLst/>
-          </a:prstGeom>
-          <a:noFill/>
-        </p:spPr>
-        <p:txBody>
-          <a:bodyPr wrap="square" rtlCol="0">
-            <a:spAutoFit/>
-          </a:bodyPr>
-          <a:lstStyle/>
-          <a:p>
-            <a:r>
-              <a:rPr lang="en-US" dirty="0">
-                <a:solidFill>
-                  <a:schemeClr val="bg1"/>
-                </a:solidFill>
-                <a:latin typeface="Cascadia Code" panose="020B0609020000020004" pitchFamily="49" charset="0"/>
-                <a:ea typeface="Cascadia Code" panose="020B0609020000020004" pitchFamily="49" charset="0"/>
-                <a:cs typeface="Cascadia Code" panose="020B0609020000020004" pitchFamily="49" charset="0"/>
-              </a:rPr>
-              <a:t>DELETE</a:t>
-            </a:r>
-            <a:endParaRPr lang="en-ID" dirty="0">
-              <a:solidFill>
-                <a:schemeClr val="bg1"/>
-              </a:solidFill>
-              <a:latin typeface="Cascadia Code" panose="020B0609020000020004" pitchFamily="49" charset="0"/>
-              <a:ea typeface="Cascadia Code" panose="020B0609020000020004" pitchFamily="49" charset="0"/>
-              <a:cs typeface="Cascadia Code" panose="020B0609020000020004" pitchFamily="49" charset="0"/>
-            </a:endParaRPr>
-          </a:p>
-        </p:txBody>
-      </p:sp>
       <p:pic>
         <p:nvPicPr>
-          <p:cNvPr id="2" name="Picture 1">
+          <p:cNvPr id="14" name="Picture 13">
             <a:extLst>
               <a:ext uri="{FF2B5EF4-FFF2-40B4-BE49-F238E27FC236}">
-                <a16:creationId xmlns:a16="http://schemas.microsoft.com/office/drawing/2014/main" id="{75F7DA25-8729-4907-8B0E-B285CB2BAB4F}"/>
+                <a16:creationId xmlns:a16="http://schemas.microsoft.com/office/drawing/2014/main" id="{07796083-7E71-404C-A1C7-438ED37F4966}"/>
               </a:ext>
             </a:extLst>
           </p:cNvPr>
@@ -4816,8 +4750,8 @@
         </p:blipFill>
         <p:spPr>
           <a:xfrm>
-            <a:off x="1359932" y="1100913"/>
-            <a:ext cx="9472136" cy="5235293"/>
+            <a:off x="6096000" y="-1955160"/>
+            <a:ext cx="3939881" cy="655377"/>
           </a:xfrm>
           <a:prstGeom prst="rect">
             <a:avLst/>
@@ -4826,10 +4760,10 @@
       </p:pic>
       <p:pic>
         <p:nvPicPr>
-          <p:cNvPr id="9" name="Picture 8">
+          <p:cNvPr id="6" name="Picture 5">
             <a:extLst>
               <a:ext uri="{FF2B5EF4-FFF2-40B4-BE49-F238E27FC236}">
-                <a16:creationId xmlns:a16="http://schemas.microsoft.com/office/drawing/2014/main" id="{37A5C4ED-73FA-4E4E-A926-E5055F0DEA55}"/>
+                <a16:creationId xmlns:a16="http://schemas.microsoft.com/office/drawing/2014/main" id="{D50E2C30-9C66-45DD-AA40-F66688EFA80B}"/>
               </a:ext>
             </a:extLst>
           </p:cNvPr>
@@ -4846,8 +4780,8 @@
         </p:blipFill>
         <p:spPr>
           <a:xfrm>
-            <a:off x="937265" y="8227352"/>
-            <a:ext cx="10226029" cy="3010000"/>
+            <a:off x="2553410" y="1070834"/>
+            <a:ext cx="7085180" cy="5295452"/>
           </a:xfrm>
           <a:prstGeom prst="rect">
             <a:avLst/>
@@ -4859,10 +4793,60 @@
           </a:ln>
         </p:spPr>
       </p:pic>
+      <p:sp>
+        <p:nvSpPr>
+          <p:cNvPr id="15" name="TextBox 14">
+            <a:extLst>
+              <a:ext uri="{FF2B5EF4-FFF2-40B4-BE49-F238E27FC236}">
+                <a16:creationId xmlns:a16="http://schemas.microsoft.com/office/drawing/2014/main" id="{D4BB1437-B1D3-4098-B7EE-936B1A27B5C4}"/>
+              </a:ext>
+            </a:extLst>
+          </p:cNvPr>
+          <p:cNvSpPr txBox="1"/>
+          <p:nvPr/>
+        </p:nvSpPr>
+        <p:spPr>
+          <a:xfrm>
+            <a:off x="727216" y="7542014"/>
+            <a:ext cx="4695958" cy="369332"/>
+          </a:xfrm>
+          <a:prstGeom prst="rect">
+            <a:avLst/>
+          </a:prstGeom>
+          <a:noFill/>
+        </p:spPr>
+        <p:txBody>
+          <a:bodyPr wrap="square" rtlCol="0">
+            <a:spAutoFit/>
+          </a:bodyPr>
+          <a:lstStyle/>
+          <a:p>
+            <a:r>
+              <a:rPr lang="en-US" dirty="0">
+                <a:solidFill>
+                  <a:schemeClr val="bg1"/>
+                </a:solidFill>
+                <a:latin typeface="Cascadia Code" panose="020B0609020000020004" pitchFamily="49" charset="0"/>
+                <a:ea typeface="Cascadia Code" panose="020B0609020000020004" pitchFamily="49" charset="0"/>
+                <a:cs typeface="Cascadia Code" panose="020B0609020000020004" pitchFamily="49" charset="0"/>
+              </a:rPr>
+              <a:t>DELETE</a:t>
+            </a:r>
+            <a:endParaRPr lang="en-ID" dirty="0">
+              <a:solidFill>
+                <a:schemeClr val="bg1"/>
+              </a:solidFill>
+              <a:latin typeface="Cascadia Code" panose="020B0609020000020004" pitchFamily="49" charset="0"/>
+              <a:ea typeface="Cascadia Code" panose="020B0609020000020004" pitchFamily="49" charset="0"/>
+              <a:cs typeface="Cascadia Code" panose="020B0609020000020004" pitchFamily="49" charset="0"/>
+            </a:endParaRPr>
+          </a:p>
+        </p:txBody>
+      </p:sp>
     </p:spTree>
     <p:extLst>
       <p:ext uri="{BB962C8B-B14F-4D97-AF65-F5344CB8AC3E}">
-        <p14:creationId xmlns:p14="http://schemas.microsoft.com/office/powerpoint/2010/main" val="965655532"/>
+        <p14:creationId xmlns:p14="http://schemas.microsoft.com/office/powerpoint/2010/main" val="650131418"/>
       </p:ext>
     </p:extLst>
   </p:cSld>
@@ -4955,10 +4939,10 @@
       </p:sp>
       <p:sp>
         <p:nvSpPr>
-          <p:cNvPr id="7" name="TextBox 6">
+          <p:cNvPr id="10" name="TextBox 9">
             <a:extLst>
               <a:ext uri="{FF2B5EF4-FFF2-40B4-BE49-F238E27FC236}">
-                <a16:creationId xmlns:a16="http://schemas.microsoft.com/office/drawing/2014/main" id="{C6AF608D-ABCB-4083-9051-7E8563AC3B61}"/>
+                <a16:creationId xmlns:a16="http://schemas.microsoft.com/office/drawing/2014/main" id="{E3AB1CAB-27D1-4F29-BED9-1ED1066CDA7C}"/>
               </a:ext>
             </a:extLst>
           </p:cNvPr>
@@ -4967,7 +4951,7 @@
         </p:nvSpPr>
         <p:spPr>
           <a:xfrm>
-            <a:off x="574816" y="596608"/>
+            <a:off x="574816" y="-6337592"/>
             <a:ext cx="4695958" cy="369332"/>
           </a:xfrm>
           <a:prstGeom prst="rect">
@@ -4990,7 +4974,7 @@
                 <a:ea typeface="Cascadia Code" panose="020B0609020000020004" pitchFamily="49" charset="0"/>
                 <a:cs typeface="Cascadia Code" panose="020B0609020000020004" pitchFamily="49" charset="0"/>
               </a:rPr>
-              <a:t>DELETE</a:t>
+              <a:t>UPDATE</a:t>
             </a:r>
             <a:endParaRPr lang="en-ID" dirty="0">
               <a:solidFill>
@@ -5005,10 +4989,10 @@
       </p:sp>
       <p:pic>
         <p:nvPicPr>
-          <p:cNvPr id="2" name="Picture 1">
+          <p:cNvPr id="6" name="Picture 5">
             <a:extLst>
               <a:ext uri="{FF2B5EF4-FFF2-40B4-BE49-F238E27FC236}">
-                <a16:creationId xmlns:a16="http://schemas.microsoft.com/office/drawing/2014/main" id="{75F7DA25-8729-4907-8B0E-B285CB2BAB4F}"/>
+                <a16:creationId xmlns:a16="http://schemas.microsoft.com/office/drawing/2014/main" id="{D50E2C30-9C66-45DD-AA40-F66688EFA80B}"/>
               </a:ext>
             </a:extLst>
           </p:cNvPr>
@@ -5025,20 +5009,75 @@
         </p:blipFill>
         <p:spPr>
           <a:xfrm>
-            <a:off x="1359932" y="4174666"/>
-            <a:ext cx="3910842" cy="2161540"/>
+            <a:off x="2553410" y="-5863366"/>
+            <a:ext cx="7085180" cy="5295452"/>
           </a:xfrm>
           <a:prstGeom prst="rect">
             <a:avLst/>
           </a:prstGeom>
+          <a:ln>
+            <a:solidFill>
+              <a:srgbClr val="92D050"/>
+            </a:solidFill>
+          </a:ln>
         </p:spPr>
       </p:pic>
+      <p:sp>
+        <p:nvSpPr>
+          <p:cNvPr id="7" name="TextBox 6">
+            <a:extLst>
+              <a:ext uri="{FF2B5EF4-FFF2-40B4-BE49-F238E27FC236}">
+                <a16:creationId xmlns:a16="http://schemas.microsoft.com/office/drawing/2014/main" id="{C6AF608D-ABCB-4083-9051-7E8563AC3B61}"/>
+              </a:ext>
+            </a:extLst>
+          </p:cNvPr>
+          <p:cNvSpPr txBox="1"/>
+          <p:nvPr/>
+        </p:nvSpPr>
+        <p:spPr>
+          <a:xfrm>
+            <a:off x="574816" y="596608"/>
+            <a:ext cx="4695958" cy="369332"/>
+          </a:xfrm>
+          <a:prstGeom prst="rect">
+            <a:avLst/>
+          </a:prstGeom>
+          <a:noFill/>
+        </p:spPr>
+        <p:txBody>
+          <a:bodyPr wrap="square" rtlCol="0">
+            <a:spAutoFit/>
+          </a:bodyPr>
+          <a:lstStyle/>
+          <a:p>
+            <a:r>
+              <a:rPr lang="en-US" dirty="0">
+                <a:solidFill>
+                  <a:schemeClr val="bg1"/>
+                </a:solidFill>
+                <a:latin typeface="Cascadia Code" panose="020B0609020000020004" pitchFamily="49" charset="0"/>
+                <a:ea typeface="Cascadia Code" panose="020B0609020000020004" pitchFamily="49" charset="0"/>
+                <a:cs typeface="Cascadia Code" panose="020B0609020000020004" pitchFamily="49" charset="0"/>
+              </a:rPr>
+              <a:t>DELETE</a:t>
+            </a:r>
+            <a:endParaRPr lang="en-ID" dirty="0">
+              <a:solidFill>
+                <a:schemeClr val="bg1"/>
+              </a:solidFill>
+              <a:latin typeface="Cascadia Code" panose="020B0609020000020004" pitchFamily="49" charset="0"/>
+              <a:ea typeface="Cascadia Code" panose="020B0609020000020004" pitchFamily="49" charset="0"/>
+              <a:cs typeface="Cascadia Code" panose="020B0609020000020004" pitchFamily="49" charset="0"/>
+            </a:endParaRPr>
+          </a:p>
+        </p:txBody>
+      </p:sp>
       <p:pic>
         <p:nvPicPr>
-          <p:cNvPr id="3" name="Picture 2">
+          <p:cNvPr id="2" name="Picture 1">
             <a:extLst>
               <a:ext uri="{FF2B5EF4-FFF2-40B4-BE49-F238E27FC236}">
-                <a16:creationId xmlns:a16="http://schemas.microsoft.com/office/drawing/2014/main" id="{418E2B3B-AA6D-4124-8113-FD1802C2F0AD}"/>
+                <a16:creationId xmlns:a16="http://schemas.microsoft.com/office/drawing/2014/main" id="{75F7DA25-8729-4907-8B0E-B285CB2BAB4F}"/>
               </a:ext>
             </a:extLst>
           </p:cNvPr>
@@ -5055,25 +5094,20 @@
         </p:blipFill>
         <p:spPr>
           <a:xfrm>
-            <a:off x="937265" y="1924000"/>
-            <a:ext cx="10226029" cy="3010000"/>
+            <a:off x="1359932" y="1100913"/>
+            <a:ext cx="9472136" cy="5235293"/>
           </a:xfrm>
           <a:prstGeom prst="rect">
             <a:avLst/>
           </a:prstGeom>
-          <a:ln>
-            <a:solidFill>
-              <a:srgbClr val="92D050"/>
-            </a:solidFill>
-          </a:ln>
         </p:spPr>
       </p:pic>
       <p:pic>
         <p:nvPicPr>
-          <p:cNvPr id="8" name="Picture 7">
+          <p:cNvPr id="9" name="Picture 8">
             <a:extLst>
               <a:ext uri="{FF2B5EF4-FFF2-40B4-BE49-F238E27FC236}">
-                <a16:creationId xmlns:a16="http://schemas.microsoft.com/office/drawing/2014/main" id="{E4E6DE8A-83FF-412A-81B8-620B7FF4DD2B}"/>
+                <a16:creationId xmlns:a16="http://schemas.microsoft.com/office/drawing/2014/main" id="{37A5C4ED-73FA-4E4E-A926-E5055F0DEA55}"/>
               </a:ext>
             </a:extLst>
           </p:cNvPr>
@@ -5090,18 +5124,23 @@
         </p:blipFill>
         <p:spPr>
           <a:xfrm>
-            <a:off x="1493519" y="8329635"/>
-            <a:ext cx="9113520" cy="4686149"/>
+            <a:off x="937265" y="8227352"/>
+            <a:ext cx="10226029" cy="3010000"/>
           </a:xfrm>
           <a:prstGeom prst="rect">
             <a:avLst/>
           </a:prstGeom>
+          <a:ln>
+            <a:solidFill>
+              <a:srgbClr val="92D050"/>
+            </a:solidFill>
+          </a:ln>
         </p:spPr>
       </p:pic>
     </p:spTree>
     <p:extLst>
       <p:ext uri="{BB962C8B-B14F-4D97-AF65-F5344CB8AC3E}">
-        <p14:creationId xmlns:p14="http://schemas.microsoft.com/office/powerpoint/2010/main" val="2750137553"/>
+        <p14:creationId xmlns:p14="http://schemas.microsoft.com/office/powerpoint/2010/main" val="965655532"/>
       </p:ext>
     </p:extLst>
   </p:cSld>
@@ -5294,6 +5333,245 @@
         </p:blipFill>
         <p:spPr>
           <a:xfrm>
+            <a:off x="937265" y="1924000"/>
+            <a:ext cx="10226029" cy="3010000"/>
+          </a:xfrm>
+          <a:prstGeom prst="rect">
+            <a:avLst/>
+          </a:prstGeom>
+          <a:ln>
+            <a:solidFill>
+              <a:srgbClr val="92D050"/>
+            </a:solidFill>
+          </a:ln>
+        </p:spPr>
+      </p:pic>
+      <p:pic>
+        <p:nvPicPr>
+          <p:cNvPr id="8" name="Picture 7">
+            <a:extLst>
+              <a:ext uri="{FF2B5EF4-FFF2-40B4-BE49-F238E27FC236}">
+                <a16:creationId xmlns:a16="http://schemas.microsoft.com/office/drawing/2014/main" id="{E4E6DE8A-83FF-412A-81B8-620B7FF4DD2B}"/>
+              </a:ext>
+            </a:extLst>
+          </p:cNvPr>
+          <p:cNvPicPr>
+            <a:picLocks noChangeAspect="1"/>
+          </p:cNvPicPr>
+          <p:nvPr/>
+        </p:nvPicPr>
+        <p:blipFill>
+          <a:blip r:embed="rId4"/>
+          <a:stretch>
+            <a:fillRect/>
+          </a:stretch>
+        </p:blipFill>
+        <p:spPr>
+          <a:xfrm>
+            <a:off x="1493519" y="8329635"/>
+            <a:ext cx="9113520" cy="4686149"/>
+          </a:xfrm>
+          <a:prstGeom prst="rect">
+            <a:avLst/>
+          </a:prstGeom>
+        </p:spPr>
+      </p:pic>
+    </p:spTree>
+    <p:extLst>
+      <p:ext uri="{BB962C8B-B14F-4D97-AF65-F5344CB8AC3E}">
+        <p14:creationId xmlns:p14="http://schemas.microsoft.com/office/powerpoint/2010/main" val="2750137553"/>
+      </p:ext>
+    </p:extLst>
+  </p:cSld>
+  <p:clrMapOvr>
+    <a:masterClrMapping/>
+  </p:clrMapOvr>
+  <mc:AlternateContent xmlns:mc="http://schemas.openxmlformats.org/markup-compatibility/2006" xmlns:p159="http://schemas.microsoft.com/office/powerpoint/2015/09/main">
+    <mc:Choice Requires="p159">
+      <p:transition xmlns:p14="http://schemas.microsoft.com/office/powerpoint/2010/main" spd="slow" p14:dur="2000">
+        <p159:morph option="byObject"/>
+      </p:transition>
+    </mc:Choice>
+    <mc:Fallback xmlns="">
+      <p:transition spd="slow">
+        <p:fade/>
+      </p:transition>
+    </mc:Fallback>
+  </mc:AlternateContent>
+</p:sld>
+</file>
+
+<file path=ppt/slides/slide16.xml><?xml version="1.0" encoding="utf-8"?>
+<p:sld xmlns:a="http://schemas.openxmlformats.org/drawingml/2006/main" xmlns:r="http://schemas.openxmlformats.org/officeDocument/2006/relationships" xmlns:p="http://schemas.openxmlformats.org/presentationml/2006/main">
+  <p:cSld>
+    <p:spTree>
+      <p:nvGrpSpPr>
+        <p:cNvPr id="1" name=""/>
+        <p:cNvGrpSpPr/>
+        <p:nvPr/>
+      </p:nvGrpSpPr>
+      <p:grpSpPr>
+        <a:xfrm>
+          <a:off x="0" y="0"/>
+          <a:ext cx="0" cy="0"/>
+          <a:chOff x="0" y="0"/>
+          <a:chExt cx="0" cy="0"/>
+        </a:xfrm>
+      </p:grpSpPr>
+      <p:sp>
+        <p:nvSpPr>
+          <p:cNvPr id="5" name="Rectangle 4">
+            <a:extLst>
+              <a:ext uri="{FF2B5EF4-FFF2-40B4-BE49-F238E27FC236}">
+                <a16:creationId xmlns:a16="http://schemas.microsoft.com/office/drawing/2014/main" id="{68F4E6F4-69BC-4C63-A4CA-E4B9198E80B8}"/>
+              </a:ext>
+            </a:extLst>
+          </p:cNvPr>
+          <p:cNvSpPr/>
+          <p:nvPr/>
+        </p:nvSpPr>
+        <p:spPr>
+          <a:xfrm>
+            <a:off x="-792480" y="0"/>
+            <a:ext cx="13685520" cy="7437120"/>
+          </a:xfrm>
+          <a:prstGeom prst="rect">
+            <a:avLst/>
+          </a:prstGeom>
+          <a:solidFill>
+            <a:srgbClr val="1F1F1F"/>
+          </a:solidFill>
+          <a:ln>
+            <a:noFill/>
+          </a:ln>
+        </p:spPr>
+        <p:style>
+          <a:lnRef idx="2">
+            <a:schemeClr val="accent1">
+              <a:shade val="50000"/>
+            </a:schemeClr>
+          </a:lnRef>
+          <a:fillRef idx="1">
+            <a:schemeClr val="accent1"/>
+          </a:fillRef>
+          <a:effectRef idx="0">
+            <a:schemeClr val="accent1"/>
+          </a:effectRef>
+          <a:fontRef idx="minor">
+            <a:schemeClr val="lt1"/>
+          </a:fontRef>
+        </p:style>
+        <p:txBody>
+          <a:bodyPr rtlCol="0" anchor="ctr"/>
+          <a:lstStyle/>
+          <a:p>
+            <a:pPr algn="ctr"/>
+            <a:endParaRPr lang="en-ID" dirty="0"/>
+          </a:p>
+        </p:txBody>
+      </p:sp>
+      <p:sp>
+        <p:nvSpPr>
+          <p:cNvPr id="7" name="TextBox 6">
+            <a:extLst>
+              <a:ext uri="{FF2B5EF4-FFF2-40B4-BE49-F238E27FC236}">
+                <a16:creationId xmlns:a16="http://schemas.microsoft.com/office/drawing/2014/main" id="{C6AF608D-ABCB-4083-9051-7E8563AC3B61}"/>
+              </a:ext>
+            </a:extLst>
+          </p:cNvPr>
+          <p:cNvSpPr txBox="1"/>
+          <p:nvPr/>
+        </p:nvSpPr>
+        <p:spPr>
+          <a:xfrm>
+            <a:off x="574816" y="596608"/>
+            <a:ext cx="4695958" cy="369332"/>
+          </a:xfrm>
+          <a:prstGeom prst="rect">
+            <a:avLst/>
+          </a:prstGeom>
+          <a:noFill/>
+        </p:spPr>
+        <p:txBody>
+          <a:bodyPr wrap="square" rtlCol="0">
+            <a:spAutoFit/>
+          </a:bodyPr>
+          <a:lstStyle/>
+          <a:p>
+            <a:r>
+              <a:rPr lang="en-US" dirty="0">
+                <a:solidFill>
+                  <a:schemeClr val="bg1"/>
+                </a:solidFill>
+                <a:latin typeface="Cascadia Code" panose="020B0609020000020004" pitchFamily="49" charset="0"/>
+                <a:ea typeface="Cascadia Code" panose="020B0609020000020004" pitchFamily="49" charset="0"/>
+                <a:cs typeface="Cascadia Code" panose="020B0609020000020004" pitchFamily="49" charset="0"/>
+              </a:rPr>
+              <a:t>DELETE</a:t>
+            </a:r>
+            <a:endParaRPr lang="en-ID" dirty="0">
+              <a:solidFill>
+                <a:schemeClr val="bg1"/>
+              </a:solidFill>
+              <a:latin typeface="Cascadia Code" panose="020B0609020000020004" pitchFamily="49" charset="0"/>
+              <a:ea typeface="Cascadia Code" panose="020B0609020000020004" pitchFamily="49" charset="0"/>
+              <a:cs typeface="Cascadia Code" panose="020B0609020000020004" pitchFamily="49" charset="0"/>
+            </a:endParaRPr>
+          </a:p>
+        </p:txBody>
+      </p:sp>
+      <p:pic>
+        <p:nvPicPr>
+          <p:cNvPr id="2" name="Picture 1">
+            <a:extLst>
+              <a:ext uri="{FF2B5EF4-FFF2-40B4-BE49-F238E27FC236}">
+                <a16:creationId xmlns:a16="http://schemas.microsoft.com/office/drawing/2014/main" id="{75F7DA25-8729-4907-8B0E-B285CB2BAB4F}"/>
+              </a:ext>
+            </a:extLst>
+          </p:cNvPr>
+          <p:cNvPicPr>
+            <a:picLocks noChangeAspect="1"/>
+          </p:cNvPicPr>
+          <p:nvPr/>
+        </p:nvPicPr>
+        <p:blipFill>
+          <a:blip r:embed="rId2"/>
+          <a:stretch>
+            <a:fillRect/>
+          </a:stretch>
+        </p:blipFill>
+        <p:spPr>
+          <a:xfrm>
+            <a:off x="1359932" y="4174666"/>
+            <a:ext cx="3910842" cy="2161540"/>
+          </a:xfrm>
+          <a:prstGeom prst="rect">
+            <a:avLst/>
+          </a:prstGeom>
+        </p:spPr>
+      </p:pic>
+      <p:pic>
+        <p:nvPicPr>
+          <p:cNvPr id="3" name="Picture 2">
+            <a:extLst>
+              <a:ext uri="{FF2B5EF4-FFF2-40B4-BE49-F238E27FC236}">
+                <a16:creationId xmlns:a16="http://schemas.microsoft.com/office/drawing/2014/main" id="{418E2B3B-AA6D-4124-8113-FD1802C2F0AD}"/>
+              </a:ext>
+            </a:extLst>
+          </p:cNvPr>
+          <p:cNvPicPr>
+            <a:picLocks noChangeAspect="1"/>
+          </p:cNvPicPr>
+          <p:nvPr/>
+        </p:nvPicPr>
+        <p:blipFill>
+          <a:blip r:embed="rId3"/>
+          <a:stretch>
+            <a:fillRect/>
+          </a:stretch>
+        </p:blipFill>
+        <p:spPr>
+          <a:xfrm>
             <a:off x="6385560" y="4768145"/>
             <a:ext cx="4853934" cy="1428740"/>
           </a:xfrm>
@@ -5362,7 +5640,7 @@
 </p:sld>
 </file>
 
-<file path=ppt/slides/slide16.xml><?xml version="1.0" encoding="utf-8"?>
+<file path=ppt/slides/slide17.xml><?xml version="1.0" encoding="utf-8"?>
 <p:sld xmlns:a="http://schemas.openxmlformats.org/drawingml/2006/main" xmlns:r="http://schemas.openxmlformats.org/officeDocument/2006/relationships" xmlns:p="http://schemas.openxmlformats.org/presentationml/2006/main">
   <p:cSld>
     <p:spTree>
@@ -6354,7 +6632,7 @@
 </p:sld>
 </file>
 
-<file path=ppt/slides/slide17.xml><?xml version="1.0" encoding="utf-8"?>
+<file path=ppt/slides/slide18.xml><?xml version="1.0" encoding="utf-8"?>
 <p:sld xmlns:a="http://schemas.openxmlformats.org/drawingml/2006/main" xmlns:r="http://schemas.openxmlformats.org/officeDocument/2006/relationships" xmlns:p="http://schemas.openxmlformats.org/presentationml/2006/main">
   <p:cSld>
     <p:spTree>
@@ -7410,14 +7688,26 @@
           <a:p>
             <a:pPr algn="ctr"/>
             <a:r>
-              <a:rPr lang="en-US" sz="6000" dirty="0" err="1"/>
+              <a:rPr lang="en-US" sz="5400" dirty="0" err="1"/>
               <a:t>Praktek</a:t>
             </a:r>
             <a:r>
-              <a:rPr lang="en-US" sz="6000" dirty="0"/>
-              <a:t> Laravel - CRUD</a:t>
-            </a:r>
-            <a:endParaRPr lang="en-ID" dirty="0"/>
+              <a:rPr lang="en-US" sz="5400" dirty="0"/>
+              <a:t> Laravel – </a:t>
+            </a:r>
+            <a:r>
+              <a:rPr lang="en-US" sz="5400" dirty="0" err="1"/>
+              <a:t>Jadwal</a:t>
+            </a:r>
+            <a:r>
+              <a:rPr lang="en-US" sz="5400" dirty="0"/>
+              <a:t> </a:t>
+            </a:r>
+            <a:r>
+              <a:rPr lang="en-US" sz="5400" dirty="0" err="1"/>
+              <a:t>Mapel</a:t>
+            </a:r>
+            <a:endParaRPr lang="en-ID" sz="4000" dirty="0"/>
           </a:p>
         </p:txBody>
       </p:sp>
@@ -8086,10 +8376,10 @@
       </p:pic>
       <p:pic>
         <p:nvPicPr>
-          <p:cNvPr id="14" name="Picture 13">
+          <p:cNvPr id="18" name="Picture 17">
             <a:extLst>
               <a:ext uri="{FF2B5EF4-FFF2-40B4-BE49-F238E27FC236}">
-                <a16:creationId xmlns:a16="http://schemas.microsoft.com/office/drawing/2014/main" id="{3DADDD1C-2934-4A1A-91E0-27324D6D2CF5}"/>
+                <a16:creationId xmlns:a16="http://schemas.microsoft.com/office/drawing/2014/main" id="{FBEE8118-9658-436D-9255-B97368BB209E}"/>
               </a:ext>
             </a:extLst>
           </p:cNvPr>
@@ -8106,162 +8396,14 @@
         </p:blipFill>
         <p:spPr>
           <a:xfrm>
-            <a:off x="623645" y="7749528"/>
-            <a:ext cx="1502516" cy="659079"/>
+            <a:off x="780133" y="7537104"/>
+            <a:ext cx="10631734" cy="1901264"/>
           </a:xfrm>
           <a:prstGeom prst="rect">
             <a:avLst/>
           </a:prstGeom>
-          <a:ln>
-            <a:solidFill>
-              <a:srgbClr val="92D050"/>
-            </a:solidFill>
-          </a:ln>
         </p:spPr>
       </p:pic>
-      <p:pic>
-        <p:nvPicPr>
-          <p:cNvPr id="15" name="Picture 14">
-            <a:extLst>
-              <a:ext uri="{FF2B5EF4-FFF2-40B4-BE49-F238E27FC236}">
-                <a16:creationId xmlns:a16="http://schemas.microsoft.com/office/drawing/2014/main" id="{8FAB2B9D-C784-48CB-A1C9-42149182DFFE}"/>
-              </a:ext>
-            </a:extLst>
-          </p:cNvPr>
-          <p:cNvPicPr>
-            <a:picLocks noChangeAspect="1"/>
-          </p:cNvPicPr>
-          <p:nvPr/>
-        </p:nvPicPr>
-        <p:blipFill>
-          <a:blip r:embed="rId5">
-            <a:extLst>
-              <a:ext uri="{BEBA8EAE-BF5A-486C-A8C5-ECC9F3942E4B}">
-                <a14:imgProps xmlns:a14="http://schemas.microsoft.com/office/drawing/2010/main">
-                  <a14:imgLayer r:embed="rId6">
-                    <a14:imgEffect>
-                      <a14:saturation sat="0"/>
-                    </a14:imgEffect>
-                  </a14:imgLayer>
-                </a14:imgProps>
-              </a:ext>
-            </a:extLst>
-          </a:blip>
-          <a:stretch>
-            <a:fillRect/>
-          </a:stretch>
-        </p:blipFill>
-        <p:spPr>
-          <a:xfrm>
-            <a:off x="3018701" y="7810246"/>
-            <a:ext cx="8549654" cy="4742637"/>
-          </a:xfrm>
-          <a:prstGeom prst="rect">
-            <a:avLst/>
-          </a:prstGeom>
-          <a:noFill/>
-          <a:ln>
-            <a:solidFill>
-              <a:schemeClr val="tx1">
-                <a:lumMod val="75000"/>
-                <a:lumOff val="25000"/>
-              </a:schemeClr>
-            </a:solidFill>
-          </a:ln>
-          <a:effectLst>
-            <a:glow rad="127000">
-              <a:schemeClr val="accent1">
-                <a:alpha val="0"/>
-              </a:schemeClr>
-            </a:glow>
-          </a:effectLst>
-        </p:spPr>
-      </p:pic>
-      <p:pic>
-        <p:nvPicPr>
-          <p:cNvPr id="16" name="Picture 15">
-            <a:extLst>
-              <a:ext uri="{FF2B5EF4-FFF2-40B4-BE49-F238E27FC236}">
-                <a16:creationId xmlns:a16="http://schemas.microsoft.com/office/drawing/2014/main" id="{CD899AB5-E099-4045-BF7A-899F2BF9789F}"/>
-              </a:ext>
-            </a:extLst>
-          </p:cNvPr>
-          <p:cNvPicPr>
-            <a:picLocks noChangeAspect="1"/>
-          </p:cNvPicPr>
-          <p:nvPr/>
-        </p:nvPicPr>
-        <p:blipFill>
-          <a:blip r:embed="rId7"/>
-          <a:stretch>
-            <a:fillRect/>
-          </a:stretch>
-        </p:blipFill>
-        <p:spPr>
-          <a:xfrm>
-            <a:off x="623645" y="9038783"/>
-            <a:ext cx="10478878" cy="4269911"/>
-          </a:xfrm>
-          <a:prstGeom prst="rect">
-            <a:avLst/>
-          </a:prstGeom>
-          <a:ln>
-            <a:solidFill>
-              <a:srgbClr val="92D050"/>
-            </a:solidFill>
-          </a:ln>
-        </p:spPr>
-      </p:pic>
-      <p:sp>
-        <p:nvSpPr>
-          <p:cNvPr id="17" name="TextBox 16">
-            <a:extLst>
-              <a:ext uri="{FF2B5EF4-FFF2-40B4-BE49-F238E27FC236}">
-                <a16:creationId xmlns:a16="http://schemas.microsoft.com/office/drawing/2014/main" id="{E6D69AB7-01F2-4BA5-BA8A-94221D4F1A58}"/>
-              </a:ext>
-            </a:extLst>
-          </p:cNvPr>
-          <p:cNvSpPr txBox="1"/>
-          <p:nvPr/>
-        </p:nvSpPr>
-        <p:spPr>
-          <a:xfrm>
-            <a:off x="3018701" y="7374702"/>
-            <a:ext cx="4695958" cy="369332"/>
-          </a:xfrm>
-          <a:prstGeom prst="rect">
-            <a:avLst/>
-          </a:prstGeom>
-          <a:noFill/>
-        </p:spPr>
-        <p:txBody>
-          <a:bodyPr wrap="square" rtlCol="0">
-            <a:spAutoFit/>
-          </a:bodyPr>
-          <a:lstStyle/>
-          <a:p>
-            <a:r>
-              <a:rPr lang="en-US" dirty="0">
-                <a:solidFill>
-                  <a:schemeClr val="bg1"/>
-                </a:solidFill>
-                <a:latin typeface="Cascadia Code" panose="020B0609020000020004" pitchFamily="49" charset="0"/>
-                <a:ea typeface="Cascadia Code" panose="020B0609020000020004" pitchFamily="49" charset="0"/>
-                <a:cs typeface="Cascadia Code" panose="020B0609020000020004" pitchFamily="49" charset="0"/>
-              </a:rPr>
-              <a:t>CREATE</a:t>
-            </a:r>
-            <a:endParaRPr lang="en-ID" dirty="0">
-              <a:solidFill>
-                <a:schemeClr val="bg1"/>
-              </a:solidFill>
-              <a:latin typeface="Cascadia Code" panose="020B0609020000020004" pitchFamily="49" charset="0"/>
-              <a:ea typeface="Cascadia Code" panose="020B0609020000020004" pitchFamily="49" charset="0"/>
-              <a:cs typeface="Cascadia Code" panose="020B0609020000020004" pitchFamily="49" charset="0"/>
-            </a:endParaRPr>
-          </a:p>
-        </p:txBody>
-      </p:sp>
     </p:spTree>
     <p:extLst>
       <p:ext uri="{BB962C8B-B14F-4D97-AF65-F5344CB8AC3E}">
@@ -8603,10 +8745,10 @@
       </p:grpSpPr>
       <p:sp>
         <p:nvSpPr>
-          <p:cNvPr id="5" name="Rectangle 4">
+          <p:cNvPr id="7" name="Rectangle 6">
             <a:extLst>
               <a:ext uri="{FF2B5EF4-FFF2-40B4-BE49-F238E27FC236}">
-                <a16:creationId xmlns:a16="http://schemas.microsoft.com/office/drawing/2014/main" id="{68F4E6F4-69BC-4C63-A4CA-E4B9198E80B8}"/>
+                <a16:creationId xmlns:a16="http://schemas.microsoft.com/office/drawing/2014/main" id="{CEFDF64A-8BF2-4689-B362-066FA7C59D66}"/>
               </a:ext>
             </a:extLst>
           </p:cNvPr>
@@ -8615,15 +8757,24 @@
         </p:nvSpPr>
         <p:spPr>
           <a:xfrm>
-            <a:off x="-792480" y="0"/>
-            <a:ext cx="13685520" cy="7437120"/>
+            <a:off x="0" y="-2086709"/>
+            <a:ext cx="12192000" cy="8944709"/>
           </a:xfrm>
           <a:prstGeom prst="rect">
             <a:avLst/>
           </a:prstGeom>
-          <a:solidFill>
-            <a:srgbClr val="1F1F1F"/>
-          </a:solidFill>
+          <a:gradFill flip="none" rotWithShape="1">
+            <a:gsLst>
+              <a:gs pos="10000">
+                <a:srgbClr val="1F1F1F"/>
+              </a:gs>
+              <a:gs pos="0">
+                <a:srgbClr val="FFFFFF"/>
+              </a:gs>
+            </a:gsLst>
+            <a:lin ang="5400000" scaled="0"/>
+            <a:tileRect/>
+          </a:gradFill>
           <a:ln>
             <a:noFill/>
           </a:ln>
@@ -8655,10 +8806,10 @@
       </p:sp>
       <p:sp>
         <p:nvSpPr>
-          <p:cNvPr id="9" name="TextBox 8">
+          <p:cNvPr id="8" name="TextBox 7">
             <a:extLst>
               <a:ext uri="{FF2B5EF4-FFF2-40B4-BE49-F238E27FC236}">
-                <a16:creationId xmlns:a16="http://schemas.microsoft.com/office/drawing/2014/main" id="{40A3F137-7073-4DC7-A4AF-7FE25884B42E}"/>
+                <a16:creationId xmlns:a16="http://schemas.microsoft.com/office/drawing/2014/main" id="{4382D5E2-7C18-422C-84DD-32BBC000B859}"/>
               </a:ext>
             </a:extLst>
           </p:cNvPr>
@@ -8667,7 +8818,7 @@
         </p:nvSpPr>
         <p:spPr>
           <a:xfrm>
-            <a:off x="6627760" y="-5894328"/>
+            <a:off x="6627760" y="948432"/>
             <a:ext cx="4695958" cy="923330"/>
           </a:xfrm>
           <a:prstGeom prst="rect">
@@ -8815,10 +8966,10 @@
       </p:sp>
       <p:pic>
         <p:nvPicPr>
-          <p:cNvPr id="10" name="Picture 9">
+          <p:cNvPr id="3" name="Picture 2">
             <a:extLst>
               <a:ext uri="{FF2B5EF4-FFF2-40B4-BE49-F238E27FC236}">
-                <a16:creationId xmlns:a16="http://schemas.microsoft.com/office/drawing/2014/main" id="{7DE473EF-5D62-4AC8-AAD9-8CD131762F81}"/>
+                <a16:creationId xmlns:a16="http://schemas.microsoft.com/office/drawing/2014/main" id="{2774364D-9FC7-421A-BF2C-11D86BAD2E00}"/>
               </a:ext>
             </a:extLst>
           </p:cNvPr>
@@ -8834,7 +8985,7 @@
         </p:blipFill>
         <p:spPr>
           <a:xfrm>
-            <a:off x="868282" y="-6083405"/>
+            <a:off x="868282" y="759355"/>
             <a:ext cx="5450474" cy="1301485"/>
           </a:xfrm>
           <a:prstGeom prst="rect">
@@ -8849,10 +9000,10 @@
       </p:pic>
       <p:sp>
         <p:nvSpPr>
-          <p:cNvPr id="11" name="Rectangle 10">
+          <p:cNvPr id="10" name="Rectangle 9">
             <a:extLst>
               <a:ext uri="{FF2B5EF4-FFF2-40B4-BE49-F238E27FC236}">
-                <a16:creationId xmlns:a16="http://schemas.microsoft.com/office/drawing/2014/main" id="{50E81D21-FA41-4238-B771-CD0BCCD49CD1}"/>
+                <a16:creationId xmlns:a16="http://schemas.microsoft.com/office/drawing/2014/main" id="{BAA4FC3B-50ED-414C-9A6F-D1B674547D7A}"/>
               </a:ext>
             </a:extLst>
           </p:cNvPr>
@@ -8861,7 +9012,7 @@
         </p:nvSpPr>
         <p:spPr>
           <a:xfrm>
-            <a:off x="3149600" y="-5166360"/>
+            <a:off x="3149600" y="1676400"/>
             <a:ext cx="365760" cy="284480"/>
           </a:xfrm>
           <a:prstGeom prst="rect">
@@ -8901,10 +9052,10 @@
       </p:sp>
       <p:sp>
         <p:nvSpPr>
-          <p:cNvPr id="12" name="TextBox 11">
+          <p:cNvPr id="11" name="TextBox 10">
             <a:extLst>
               <a:ext uri="{FF2B5EF4-FFF2-40B4-BE49-F238E27FC236}">
-                <a16:creationId xmlns:a16="http://schemas.microsoft.com/office/drawing/2014/main" id="{53BED52C-F4B6-42E2-B90F-2E45B84CF0B8}"/>
+                <a16:creationId xmlns:a16="http://schemas.microsoft.com/office/drawing/2014/main" id="{2185DC68-B7AA-4BE3-91E8-870CD3BF74D8}"/>
               </a:ext>
             </a:extLst>
           </p:cNvPr>
@@ -8913,7 +9064,7 @@
         </p:nvSpPr>
         <p:spPr>
           <a:xfrm>
-            <a:off x="3084938" y="-5190252"/>
+            <a:off x="3084938" y="1652508"/>
             <a:ext cx="3087262" cy="253916"/>
           </a:xfrm>
           <a:prstGeom prst="rect">
@@ -9020,7 +9171,7 @@
           <p:cNvPr id="13" name="Picture 12">
             <a:extLst>
               <a:ext uri="{FF2B5EF4-FFF2-40B4-BE49-F238E27FC236}">
-                <a16:creationId xmlns:a16="http://schemas.microsoft.com/office/drawing/2014/main" id="{D150F8D5-0174-46F2-9100-C6D7A0856A3B}"/>
+                <a16:creationId xmlns:a16="http://schemas.microsoft.com/office/drawing/2014/main" id="{EE118D87-A164-418A-B004-9EA302F4B6D0}"/>
               </a:ext>
             </a:extLst>
           </p:cNvPr>
@@ -9037,7 +9188,7 @@
         </p:blipFill>
         <p:spPr>
           <a:xfrm>
-            <a:off x="1524000" y="-3890392"/>
+            <a:off x="1524000" y="2952368"/>
             <a:ext cx="9380560" cy="3252198"/>
           </a:xfrm>
           <a:prstGeom prst="rect">
@@ -9052,10 +9203,10 @@
       </p:pic>
       <p:pic>
         <p:nvPicPr>
-          <p:cNvPr id="2" name="Picture 1">
+          <p:cNvPr id="14" name="Picture 13">
             <a:extLst>
               <a:ext uri="{FF2B5EF4-FFF2-40B4-BE49-F238E27FC236}">
-                <a16:creationId xmlns:a16="http://schemas.microsoft.com/office/drawing/2014/main" id="{3B8810C3-02C5-4718-BCD9-3FE341D4DAC1}"/>
+                <a16:creationId xmlns:a16="http://schemas.microsoft.com/office/drawing/2014/main" id="{3DADDD1C-2934-4A1A-91E0-27324D6D2CF5}"/>
               </a:ext>
             </a:extLst>
           </p:cNvPr>
@@ -9072,7 +9223,7 @@
         </p:blipFill>
         <p:spPr>
           <a:xfrm>
-            <a:off x="623645" y="649417"/>
+            <a:off x="623645" y="7749528"/>
             <a:ext cx="1502516" cy="659079"/>
           </a:xfrm>
           <a:prstGeom prst="rect">
@@ -9087,10 +9238,10 @@
       </p:pic>
       <p:pic>
         <p:nvPicPr>
-          <p:cNvPr id="16" name="Picture 15">
+          <p:cNvPr id="15" name="Picture 14">
             <a:extLst>
               <a:ext uri="{FF2B5EF4-FFF2-40B4-BE49-F238E27FC236}">
-                <a16:creationId xmlns:a16="http://schemas.microsoft.com/office/drawing/2014/main" id="{3EC3C00B-ACB8-4F57-B125-652C68658353}"/>
+                <a16:creationId xmlns:a16="http://schemas.microsoft.com/office/drawing/2014/main" id="{8FAB2B9D-C784-48CB-A1C9-42149182DFFE}"/>
               </a:ext>
             </a:extLst>
           </p:cNvPr>
@@ -9119,7 +9270,7 @@
         </p:blipFill>
         <p:spPr>
           <a:xfrm>
-            <a:off x="3018701" y="710135"/>
+            <a:off x="3018701" y="7810246"/>
             <a:ext cx="8549654" cy="4742637"/>
           </a:xfrm>
           <a:prstGeom prst="rect">
@@ -9145,10 +9296,10 @@
       </p:pic>
       <p:pic>
         <p:nvPicPr>
-          <p:cNvPr id="15" name="Picture 14">
+          <p:cNvPr id="16" name="Picture 15">
             <a:extLst>
               <a:ext uri="{FF2B5EF4-FFF2-40B4-BE49-F238E27FC236}">
-                <a16:creationId xmlns:a16="http://schemas.microsoft.com/office/drawing/2014/main" id="{CEFDE84A-9D41-4A3E-87B7-43C4720D8806}"/>
+                <a16:creationId xmlns:a16="http://schemas.microsoft.com/office/drawing/2014/main" id="{CD899AB5-E099-4045-BF7A-899F2BF9789F}"/>
               </a:ext>
             </a:extLst>
           </p:cNvPr>
@@ -9165,7 +9316,7 @@
         </p:blipFill>
         <p:spPr>
           <a:xfrm>
-            <a:off x="623645" y="1938672"/>
+            <a:off x="623645" y="9038783"/>
             <a:ext cx="10478878" cy="4269911"/>
           </a:xfrm>
           <a:prstGeom prst="rect">
@@ -9183,7 +9334,7 @@
           <p:cNvPr id="17" name="TextBox 16">
             <a:extLst>
               <a:ext uri="{FF2B5EF4-FFF2-40B4-BE49-F238E27FC236}">
-                <a16:creationId xmlns:a16="http://schemas.microsoft.com/office/drawing/2014/main" id="{8BC863A7-1C6D-4D66-83D1-9081598B19D6}"/>
+                <a16:creationId xmlns:a16="http://schemas.microsoft.com/office/drawing/2014/main" id="{E6D69AB7-01F2-4BA5-BA8A-94221D4F1A58}"/>
               </a:ext>
             </a:extLst>
           </p:cNvPr>
@@ -9192,7 +9343,7 @@
         </p:nvSpPr>
         <p:spPr>
           <a:xfrm>
-            <a:off x="3018701" y="280085"/>
+            <a:off x="3018701" y="7374702"/>
             <a:ext cx="4695958" cy="369332"/>
           </a:xfrm>
           <a:prstGeom prst="rect">
@@ -9228,10 +9379,40 @@
           </a:p>
         </p:txBody>
       </p:sp>
+      <p:pic>
+        <p:nvPicPr>
+          <p:cNvPr id="2" name="Picture 1">
+            <a:extLst>
+              <a:ext uri="{FF2B5EF4-FFF2-40B4-BE49-F238E27FC236}">
+                <a16:creationId xmlns:a16="http://schemas.microsoft.com/office/drawing/2014/main" id="{86894BF1-9F3A-4B68-9B70-47C80358779F}"/>
+              </a:ext>
+            </a:extLst>
+          </p:cNvPr>
+          <p:cNvPicPr>
+            <a:picLocks noChangeAspect="1"/>
+          </p:cNvPicPr>
+          <p:nvPr/>
+        </p:nvPicPr>
+        <p:blipFill>
+          <a:blip r:embed="rId8"/>
+          <a:stretch>
+            <a:fillRect/>
+          </a:stretch>
+        </p:blipFill>
+        <p:spPr>
+          <a:xfrm>
+            <a:off x="780133" y="2579296"/>
+            <a:ext cx="10631734" cy="1901264"/>
+          </a:xfrm>
+          <a:prstGeom prst="rect">
+            <a:avLst/>
+          </a:prstGeom>
+        </p:spPr>
+      </p:pic>
     </p:spTree>
     <p:extLst>
       <p:ext uri="{BB962C8B-B14F-4D97-AF65-F5344CB8AC3E}">
-        <p14:creationId xmlns:p14="http://schemas.microsoft.com/office/powerpoint/2010/main" val="930662175"/>
+        <p14:creationId xmlns:p14="http://schemas.microsoft.com/office/powerpoint/2010/main" val="2212603352"/>
       </p:ext>
     </p:extLst>
   </p:cSld>
@@ -9322,12 +9503,172 @@
           </a:p>
         </p:txBody>
       </p:sp>
+      <p:sp>
+        <p:nvSpPr>
+          <p:cNvPr id="9" name="TextBox 8">
+            <a:extLst>
+              <a:ext uri="{FF2B5EF4-FFF2-40B4-BE49-F238E27FC236}">
+                <a16:creationId xmlns:a16="http://schemas.microsoft.com/office/drawing/2014/main" id="{40A3F137-7073-4DC7-A4AF-7FE25884B42E}"/>
+              </a:ext>
+            </a:extLst>
+          </p:cNvPr>
+          <p:cNvSpPr txBox="1"/>
+          <p:nvPr/>
+        </p:nvSpPr>
+        <p:spPr>
+          <a:xfrm>
+            <a:off x="6627760" y="-5894328"/>
+            <a:ext cx="4695958" cy="923330"/>
+          </a:xfrm>
+          <a:prstGeom prst="rect">
+            <a:avLst/>
+          </a:prstGeom>
+          <a:noFill/>
+        </p:spPr>
+        <p:txBody>
+          <a:bodyPr wrap="square" rtlCol="0">
+            <a:spAutoFit/>
+          </a:bodyPr>
+          <a:lstStyle/>
+          <a:p>
+            <a:r>
+              <a:rPr lang="en-US" dirty="0">
+                <a:solidFill>
+                  <a:schemeClr val="bg1"/>
+                </a:solidFill>
+                <a:latin typeface="Cascadia Code" panose="020B0609020000020004" pitchFamily="49" charset="0"/>
+                <a:ea typeface="Cascadia Code" panose="020B0609020000020004" pitchFamily="49" charset="0"/>
+                <a:cs typeface="Cascadia Code" panose="020B0609020000020004" pitchFamily="49" charset="0"/>
+              </a:rPr>
+              <a:t>&gt; </a:t>
+            </a:r>
+            <a:r>
+              <a:rPr lang="en-US" dirty="0" err="1">
+                <a:solidFill>
+                  <a:schemeClr val="bg1"/>
+                </a:solidFill>
+                <a:latin typeface="Cascadia Code" panose="020B0609020000020004" pitchFamily="49" charset="0"/>
+                <a:ea typeface="Cascadia Code" panose="020B0609020000020004" pitchFamily="49" charset="0"/>
+                <a:cs typeface="Cascadia Code" panose="020B0609020000020004" pitchFamily="49" charset="0"/>
+              </a:rPr>
+              <a:t>Untuk</a:t>
+            </a:r>
+            <a:r>
+              <a:rPr lang="en-US" dirty="0">
+                <a:solidFill>
+                  <a:schemeClr val="bg1"/>
+                </a:solidFill>
+                <a:latin typeface="Cascadia Code" panose="020B0609020000020004" pitchFamily="49" charset="0"/>
+                <a:ea typeface="Cascadia Code" panose="020B0609020000020004" pitchFamily="49" charset="0"/>
+                <a:cs typeface="Cascadia Code" panose="020B0609020000020004" pitchFamily="49" charset="0"/>
+              </a:rPr>
+              <a:t> </a:t>
+            </a:r>
+            <a:r>
+              <a:rPr lang="en-US" dirty="0" err="1">
+                <a:solidFill>
+                  <a:schemeClr val="bg1"/>
+                </a:solidFill>
+                <a:latin typeface="Cascadia Code" panose="020B0609020000020004" pitchFamily="49" charset="0"/>
+                <a:ea typeface="Cascadia Code" panose="020B0609020000020004" pitchFamily="49" charset="0"/>
+                <a:cs typeface="Cascadia Code" panose="020B0609020000020004" pitchFamily="49" charset="0"/>
+              </a:rPr>
+              <a:t>membuat</a:t>
+            </a:r>
+            <a:r>
+              <a:rPr lang="en-US" dirty="0">
+                <a:solidFill>
+                  <a:schemeClr val="bg1"/>
+                </a:solidFill>
+                <a:latin typeface="Cascadia Code" panose="020B0609020000020004" pitchFamily="49" charset="0"/>
+                <a:ea typeface="Cascadia Code" panose="020B0609020000020004" pitchFamily="49" charset="0"/>
+                <a:cs typeface="Cascadia Code" panose="020B0609020000020004" pitchFamily="49" charset="0"/>
+              </a:rPr>
+              <a:t> Controller, Model, </a:t>
+            </a:r>
+            <a:r>
+              <a:rPr lang="en-US" dirty="0" err="1">
+                <a:solidFill>
+                  <a:schemeClr val="bg1"/>
+                </a:solidFill>
+                <a:latin typeface="Cascadia Code" panose="020B0609020000020004" pitchFamily="49" charset="0"/>
+                <a:ea typeface="Cascadia Code" panose="020B0609020000020004" pitchFamily="49" charset="0"/>
+                <a:cs typeface="Cascadia Code" panose="020B0609020000020004" pitchFamily="49" charset="0"/>
+              </a:rPr>
+              <a:t>dan</a:t>
+            </a:r>
+            <a:r>
+              <a:rPr lang="en-US" dirty="0">
+                <a:solidFill>
+                  <a:schemeClr val="bg1"/>
+                </a:solidFill>
+                <a:latin typeface="Cascadia Code" panose="020B0609020000020004" pitchFamily="49" charset="0"/>
+                <a:ea typeface="Cascadia Code" panose="020B0609020000020004" pitchFamily="49" charset="0"/>
+                <a:cs typeface="Cascadia Code" panose="020B0609020000020004" pitchFamily="49" charset="0"/>
+              </a:rPr>
+              <a:t> Migration </a:t>
+            </a:r>
+            <a:r>
+              <a:rPr lang="en-US" dirty="0" err="1">
+                <a:solidFill>
+                  <a:schemeClr val="bg1"/>
+                </a:solidFill>
+                <a:latin typeface="Cascadia Code" panose="020B0609020000020004" pitchFamily="49" charset="0"/>
+                <a:ea typeface="Cascadia Code" panose="020B0609020000020004" pitchFamily="49" charset="0"/>
+                <a:cs typeface="Cascadia Code" panose="020B0609020000020004" pitchFamily="49" charset="0"/>
+              </a:rPr>
+              <a:t>dalam</a:t>
+            </a:r>
+            <a:r>
+              <a:rPr lang="en-US" dirty="0">
+                <a:solidFill>
+                  <a:schemeClr val="bg1"/>
+                </a:solidFill>
+                <a:latin typeface="Cascadia Code" panose="020B0609020000020004" pitchFamily="49" charset="0"/>
+                <a:ea typeface="Cascadia Code" panose="020B0609020000020004" pitchFamily="49" charset="0"/>
+                <a:cs typeface="Cascadia Code" panose="020B0609020000020004" pitchFamily="49" charset="0"/>
+              </a:rPr>
+              <a:t> </a:t>
+            </a:r>
+            <a:r>
+              <a:rPr lang="en-US" dirty="0" err="1">
+                <a:solidFill>
+                  <a:schemeClr val="bg1"/>
+                </a:solidFill>
+                <a:latin typeface="Cascadia Code" panose="020B0609020000020004" pitchFamily="49" charset="0"/>
+                <a:ea typeface="Cascadia Code" panose="020B0609020000020004" pitchFamily="49" charset="0"/>
+                <a:cs typeface="Cascadia Code" panose="020B0609020000020004" pitchFamily="49" charset="0"/>
+              </a:rPr>
+              <a:t>satu</a:t>
+            </a:r>
+            <a:r>
+              <a:rPr lang="en-US" dirty="0">
+                <a:solidFill>
+                  <a:schemeClr val="bg1"/>
+                </a:solidFill>
+                <a:latin typeface="Cascadia Code" panose="020B0609020000020004" pitchFamily="49" charset="0"/>
+                <a:ea typeface="Cascadia Code" panose="020B0609020000020004" pitchFamily="49" charset="0"/>
+                <a:cs typeface="Cascadia Code" panose="020B0609020000020004" pitchFamily="49" charset="0"/>
+              </a:rPr>
+              <a:t> command.</a:t>
+            </a:r>
+            <a:endParaRPr lang="en-ID" dirty="0">
+              <a:solidFill>
+                <a:schemeClr val="bg1"/>
+              </a:solidFill>
+              <a:latin typeface="Cascadia Code" panose="020B0609020000020004" pitchFamily="49" charset="0"/>
+              <a:ea typeface="Cascadia Code" panose="020B0609020000020004" pitchFamily="49" charset="0"/>
+              <a:cs typeface="Cascadia Code" panose="020B0609020000020004" pitchFamily="49" charset="0"/>
+            </a:endParaRPr>
+          </a:p>
+        </p:txBody>
+      </p:sp>
       <p:pic>
         <p:nvPicPr>
-          <p:cNvPr id="2" name="Picture 1">
+          <p:cNvPr id="10" name="Picture 9">
             <a:extLst>
               <a:ext uri="{FF2B5EF4-FFF2-40B4-BE49-F238E27FC236}">
-                <a16:creationId xmlns:a16="http://schemas.microsoft.com/office/drawing/2014/main" id="{3B8810C3-02C5-4718-BCD9-3FE341D4DAC1}"/>
+                <a16:creationId xmlns:a16="http://schemas.microsoft.com/office/drawing/2014/main" id="{7DE473EF-5D62-4AC8-AAD9-8CD131762F81}"/>
               </a:ext>
             </a:extLst>
           </p:cNvPr>
@@ -9336,16 +9677,15 @@
           </p:cNvPicPr>
           <p:nvPr/>
         </p:nvPicPr>
-        <p:blipFill>
+        <p:blipFill rotWithShape="1">
           <a:blip r:embed="rId2"/>
-          <a:stretch>
-            <a:fillRect/>
-          </a:stretch>
+          <a:srcRect r="51880" b="41577"/>
+          <a:stretch/>
         </p:blipFill>
         <p:spPr>
           <a:xfrm>
-            <a:off x="623645" y="649417"/>
-            <a:ext cx="1502516" cy="659079"/>
+            <a:off x="868282" y="-6083405"/>
+            <a:ext cx="5450474" cy="1301485"/>
           </a:xfrm>
           <a:prstGeom prst="rect">
             <a:avLst/>
@@ -9357,12 +9697,180 @@
           </a:ln>
         </p:spPr>
       </p:pic>
+      <p:sp>
+        <p:nvSpPr>
+          <p:cNvPr id="11" name="Rectangle 10">
+            <a:extLst>
+              <a:ext uri="{FF2B5EF4-FFF2-40B4-BE49-F238E27FC236}">
+                <a16:creationId xmlns:a16="http://schemas.microsoft.com/office/drawing/2014/main" id="{50E81D21-FA41-4238-B771-CD0BCCD49CD1}"/>
+              </a:ext>
+            </a:extLst>
+          </p:cNvPr>
+          <p:cNvSpPr/>
+          <p:nvPr/>
+        </p:nvSpPr>
+        <p:spPr>
+          <a:xfrm>
+            <a:off x="3149600" y="-5166360"/>
+            <a:ext cx="365760" cy="284480"/>
+          </a:xfrm>
+          <a:prstGeom prst="rect">
+            <a:avLst/>
+          </a:prstGeom>
+          <a:solidFill>
+            <a:srgbClr val="181818"/>
+          </a:solidFill>
+          <a:ln>
+            <a:noFill/>
+          </a:ln>
+        </p:spPr>
+        <p:style>
+          <a:lnRef idx="2">
+            <a:schemeClr val="accent1">
+              <a:shade val="50000"/>
+            </a:schemeClr>
+          </a:lnRef>
+          <a:fillRef idx="1">
+            <a:schemeClr val="accent1"/>
+          </a:fillRef>
+          <a:effectRef idx="0">
+            <a:schemeClr val="accent1"/>
+          </a:effectRef>
+          <a:fontRef idx="minor">
+            <a:schemeClr val="lt1"/>
+          </a:fontRef>
+        </p:style>
+        <p:txBody>
+          <a:bodyPr rtlCol="0" anchor="ctr"/>
+          <a:lstStyle/>
+          <a:p>
+            <a:pPr algn="ctr"/>
+            <a:endParaRPr lang="en-ID"/>
+          </a:p>
+        </p:txBody>
+      </p:sp>
+      <p:sp>
+        <p:nvSpPr>
+          <p:cNvPr id="12" name="TextBox 11">
+            <a:extLst>
+              <a:ext uri="{FF2B5EF4-FFF2-40B4-BE49-F238E27FC236}">
+                <a16:creationId xmlns:a16="http://schemas.microsoft.com/office/drawing/2014/main" id="{53BED52C-F4B6-42E2-B90F-2E45B84CF0B8}"/>
+              </a:ext>
+            </a:extLst>
+          </p:cNvPr>
+          <p:cNvSpPr txBox="1"/>
+          <p:nvPr/>
+        </p:nvSpPr>
+        <p:spPr>
+          <a:xfrm>
+            <a:off x="3084938" y="-5190252"/>
+            <a:ext cx="3087262" cy="253916"/>
+          </a:xfrm>
+          <a:prstGeom prst="rect">
+            <a:avLst/>
+          </a:prstGeom>
+          <a:noFill/>
+        </p:spPr>
+        <p:txBody>
+          <a:bodyPr wrap="square" rtlCol="0">
+            <a:spAutoFit/>
+          </a:bodyPr>
+          <a:lstStyle/>
+          <a:p>
+            <a:r>
+              <a:rPr lang="en-US" sz="1050" dirty="0" err="1">
+                <a:solidFill>
+                  <a:srgbClr val="C4CBD0"/>
+                </a:solidFill>
+                <a:latin typeface="Cascadia Code" panose="020B0609020000020004" pitchFamily="49" charset="0"/>
+                <a:ea typeface="Cascadia Code" panose="020B0609020000020004" pitchFamily="49" charset="0"/>
+                <a:cs typeface="Cascadia Code" panose="020B0609020000020004" pitchFamily="49" charset="0"/>
+              </a:rPr>
+              <a:t>php</a:t>
+            </a:r>
+            <a:r>
+              <a:rPr lang="en-US" sz="1050" dirty="0">
+                <a:solidFill>
+                  <a:srgbClr val="C4CBD0"/>
+                </a:solidFill>
+                <a:latin typeface="Cascadia Code" panose="020B0609020000020004" pitchFamily="49" charset="0"/>
+                <a:ea typeface="Cascadia Code" panose="020B0609020000020004" pitchFamily="49" charset="0"/>
+                <a:cs typeface="Cascadia Code" panose="020B0609020000020004" pitchFamily="49" charset="0"/>
+              </a:rPr>
+              <a:t> artisan </a:t>
+            </a:r>
+            <a:r>
+              <a:rPr lang="en-US" sz="1050" dirty="0" err="1">
+                <a:solidFill>
+                  <a:srgbClr val="C4CBD0"/>
+                </a:solidFill>
+                <a:latin typeface="Cascadia Code" panose="020B0609020000020004" pitchFamily="49" charset="0"/>
+                <a:ea typeface="Cascadia Code" panose="020B0609020000020004" pitchFamily="49" charset="0"/>
+                <a:cs typeface="Cascadia Code" panose="020B0609020000020004" pitchFamily="49" charset="0"/>
+              </a:rPr>
+              <a:t>make:model</a:t>
+            </a:r>
+            <a:r>
+              <a:rPr lang="en-US" sz="1050" dirty="0">
+                <a:solidFill>
+                  <a:srgbClr val="C4CBD0"/>
+                </a:solidFill>
+                <a:latin typeface="Cascadia Code" panose="020B0609020000020004" pitchFamily="49" charset="0"/>
+                <a:ea typeface="Cascadia Code" panose="020B0609020000020004" pitchFamily="49" charset="0"/>
+                <a:cs typeface="Cascadia Code" panose="020B0609020000020004" pitchFamily="49" charset="0"/>
+              </a:rPr>
+              <a:t> </a:t>
+            </a:r>
+            <a:r>
+              <a:rPr lang="en-US" sz="1050" dirty="0" err="1">
+                <a:solidFill>
+                  <a:srgbClr val="FFFF00"/>
+                </a:solidFill>
+                <a:latin typeface="Cascadia Code" panose="020B0609020000020004" pitchFamily="49" charset="0"/>
+                <a:ea typeface="Cascadia Code" panose="020B0609020000020004" pitchFamily="49" charset="0"/>
+                <a:cs typeface="Cascadia Code" panose="020B0609020000020004" pitchFamily="49" charset="0"/>
+              </a:rPr>
+              <a:t>Jadwal</a:t>
+            </a:r>
+            <a:r>
+              <a:rPr lang="en-US" sz="1050" dirty="0">
+                <a:solidFill>
+                  <a:srgbClr val="C4CBD0"/>
+                </a:solidFill>
+                <a:latin typeface="Cascadia Code" panose="020B0609020000020004" pitchFamily="49" charset="0"/>
+                <a:ea typeface="Cascadia Code" panose="020B0609020000020004" pitchFamily="49" charset="0"/>
+                <a:cs typeface="Cascadia Code" panose="020B0609020000020004" pitchFamily="49" charset="0"/>
+              </a:rPr>
+              <a:t> -</a:t>
+            </a:r>
+            <a:r>
+              <a:rPr lang="en-US" sz="1050" dirty="0" err="1">
+                <a:solidFill>
+                  <a:srgbClr val="C4CBD0"/>
+                </a:solidFill>
+                <a:latin typeface="Cascadia Code" panose="020B0609020000020004" pitchFamily="49" charset="0"/>
+                <a:ea typeface="Cascadia Code" panose="020B0609020000020004" pitchFamily="49" charset="0"/>
+                <a:cs typeface="Cascadia Code" panose="020B0609020000020004" pitchFamily="49" charset="0"/>
+              </a:rPr>
+              <a:t>mcr</a:t>
+            </a:r>
+            <a:endParaRPr lang="en-ID" sz="1050" dirty="0">
+              <a:solidFill>
+                <a:srgbClr val="C4CBD0"/>
+              </a:solidFill>
+              <a:latin typeface="Cascadia Code" panose="020B0609020000020004" pitchFamily="49" charset="0"/>
+              <a:ea typeface="Cascadia Code" panose="020B0609020000020004" pitchFamily="49" charset="0"/>
+              <a:cs typeface="Cascadia Code" panose="020B0609020000020004" pitchFamily="49" charset="0"/>
+            </a:endParaRPr>
+          </a:p>
+        </p:txBody>
+      </p:sp>
       <p:pic>
         <p:nvPicPr>
-          <p:cNvPr id="15" name="Picture 14">
+          <p:cNvPr id="13" name="Picture 12">
             <a:extLst>
               <a:ext uri="{FF2B5EF4-FFF2-40B4-BE49-F238E27FC236}">
-                <a16:creationId xmlns:a16="http://schemas.microsoft.com/office/drawing/2014/main" id="{CEFDE84A-9D41-4A3E-87B7-43C4720D8806}"/>
+                <a16:creationId xmlns:a16="http://schemas.microsoft.com/office/drawing/2014/main" id="{D150F8D5-0174-46F2-9100-C6D7A0856A3B}"/>
               </a:ext>
             </a:extLst>
           </p:cNvPr>
@@ -9379,25 +9887,25 @@
         </p:blipFill>
         <p:spPr>
           <a:xfrm>
-            <a:off x="3018701" y="710135"/>
-            <a:ext cx="8890468" cy="3622669"/>
+            <a:off x="1524000" y="-3890392"/>
+            <a:ext cx="9380560" cy="3252198"/>
           </a:xfrm>
           <a:prstGeom prst="rect">
             <a:avLst/>
           </a:prstGeom>
           <a:ln>
             <a:solidFill>
-              <a:srgbClr val="C4CBD0"/>
+              <a:srgbClr val="92D050"/>
             </a:solidFill>
           </a:ln>
         </p:spPr>
       </p:pic>
       <p:pic>
         <p:nvPicPr>
-          <p:cNvPr id="16" name="Picture 15">
+          <p:cNvPr id="2" name="Picture 1">
             <a:extLst>
               <a:ext uri="{FF2B5EF4-FFF2-40B4-BE49-F238E27FC236}">
-                <a16:creationId xmlns:a16="http://schemas.microsoft.com/office/drawing/2014/main" id="{3EC3C00B-ACB8-4F57-B125-652C68658353}"/>
+                <a16:creationId xmlns:a16="http://schemas.microsoft.com/office/drawing/2014/main" id="{3B8810C3-02C5-4718-BCD9-3FE341D4DAC1}"/>
               </a:ext>
             </a:extLst>
           </p:cNvPr>
@@ -9407,11 +9915,50 @@
           <p:nvPr/>
         </p:nvPicPr>
         <p:blipFill>
-          <a:blip r:embed="rId4">
+          <a:blip r:embed="rId4"/>
+          <a:stretch>
+            <a:fillRect/>
+          </a:stretch>
+        </p:blipFill>
+        <p:spPr>
+          <a:xfrm>
+            <a:off x="623645" y="649417"/>
+            <a:ext cx="1502516" cy="659079"/>
+          </a:xfrm>
+          <a:prstGeom prst="rect">
+            <a:avLst/>
+          </a:prstGeom>
+          <a:ln>
+            <a:solidFill>
+              <a:srgbClr val="92D050"/>
+            </a:solidFill>
+          </a:ln>
+        </p:spPr>
+      </p:pic>
+      <p:pic>
+        <p:nvPicPr>
+          <p:cNvPr id="16" name="Picture 15">
+            <a:extLst>
+              <a:ext uri="{FF2B5EF4-FFF2-40B4-BE49-F238E27FC236}">
+                <a16:creationId xmlns:a16="http://schemas.microsoft.com/office/drawing/2014/main" id="{3EC3C00B-ACB8-4F57-B125-652C68658353}"/>
+              </a:ext>
+            </a:extLst>
+          </p:cNvPr>
+          <p:cNvPicPr>
+            <a:picLocks noChangeAspect="1"/>
+          </p:cNvPicPr>
+          <p:nvPr/>
+        </p:nvPicPr>
+        <p:blipFill>
+          <a:blip r:embed="rId5">
             <a:extLst>
               <a:ext uri="{BEBA8EAE-BF5A-486C-A8C5-ECC9F3942E4B}">
                 <a14:imgProps xmlns:a14="http://schemas.microsoft.com/office/drawing/2010/main">
-                  <a14:imgLayer r:embed="rId5"/>
+                  <a14:imgLayer r:embed="rId6">
+                    <a14:imgEffect>
+                      <a14:saturation sat="0"/>
+                    </a14:imgEffect>
+                  </a14:imgLayer>
                 </a14:imgProps>
               </a:ext>
             </a:extLst>
@@ -9422,7 +9969,7 @@
         </p:blipFill>
         <p:spPr>
           <a:xfrm>
-            <a:off x="623645" y="1772407"/>
+            <a:off x="3018701" y="710135"/>
             <a:ext cx="8549654" cy="4742637"/>
           </a:xfrm>
           <a:prstGeom prst="rect">
@@ -9431,7 +9978,10 @@
           <a:noFill/>
           <a:ln>
             <a:solidFill>
-              <a:srgbClr val="92D050"/>
+              <a:schemeClr val="tx1">
+                <a:lumMod val="75000"/>
+                <a:lumOff val="25000"/>
+              </a:schemeClr>
             </a:solidFill>
           </a:ln>
           <a:effectLst>
@@ -9445,10 +9995,10 @@
       </p:pic>
       <p:pic>
         <p:nvPicPr>
-          <p:cNvPr id="14" name="Picture 13">
+          <p:cNvPr id="15" name="Picture 14">
             <a:extLst>
               <a:ext uri="{FF2B5EF4-FFF2-40B4-BE49-F238E27FC236}">
-                <a16:creationId xmlns:a16="http://schemas.microsoft.com/office/drawing/2014/main" id="{F35B92CB-966E-41C2-95C3-95DE267EA2CD}"/>
+                <a16:creationId xmlns:a16="http://schemas.microsoft.com/office/drawing/2014/main" id="{CEFDE84A-9D41-4A3E-87B7-43C4720D8806}"/>
               </a:ext>
             </a:extLst>
           </p:cNvPr>
@@ -9458,15 +10008,15 @@
           <p:nvPr/>
         </p:nvPicPr>
         <p:blipFill>
-          <a:blip r:embed="rId6"/>
+          <a:blip r:embed="rId7"/>
           <a:stretch>
             <a:fillRect/>
           </a:stretch>
         </p:blipFill>
         <p:spPr>
           <a:xfrm>
-            <a:off x="13785580" y="841804"/>
-            <a:ext cx="11042368" cy="5753511"/>
+            <a:off x="623645" y="1938672"/>
+            <a:ext cx="10478878" cy="4269911"/>
           </a:xfrm>
           <a:prstGeom prst="rect">
             <a:avLst/>
@@ -9483,7 +10033,7 @@
           <p:cNvPr id="17" name="TextBox 16">
             <a:extLst>
               <a:ext uri="{FF2B5EF4-FFF2-40B4-BE49-F238E27FC236}">
-                <a16:creationId xmlns:a16="http://schemas.microsoft.com/office/drawing/2014/main" id="{77EF4987-5EA1-4C2F-B37F-B5632D8EB136}"/>
+                <a16:creationId xmlns:a16="http://schemas.microsoft.com/office/drawing/2014/main" id="{8BC863A7-1C6D-4D66-83D1-9081598B19D6}"/>
               </a:ext>
             </a:extLst>
           </p:cNvPr>
@@ -9528,60 +10078,40 @@
           </a:p>
         </p:txBody>
       </p:sp>
-      <p:sp>
-        <p:nvSpPr>
-          <p:cNvPr id="18" name="TextBox 17">
+      <p:pic>
+        <p:nvPicPr>
+          <p:cNvPr id="14" name="Picture 13">
             <a:extLst>
               <a:ext uri="{FF2B5EF4-FFF2-40B4-BE49-F238E27FC236}">
-                <a16:creationId xmlns:a16="http://schemas.microsoft.com/office/drawing/2014/main" id="{2A4B9539-1121-4A39-9B17-0AAFAB2313A8}"/>
+                <a16:creationId xmlns:a16="http://schemas.microsoft.com/office/drawing/2014/main" id="{63AF1F47-6A13-42E2-9436-9F297C330487}"/>
               </a:ext>
             </a:extLst>
           </p:cNvPr>
-          <p:cNvSpPr txBox="1"/>
+          <p:cNvPicPr>
+            <a:picLocks noChangeAspect="1"/>
+          </p:cNvPicPr>
           <p:nvPr/>
-        </p:nvSpPr>
-        <p:spPr>
-          <a:xfrm>
-            <a:off x="13785580" y="432485"/>
-            <a:ext cx="4695958" cy="369332"/>
+        </p:nvPicPr>
+        <p:blipFill>
+          <a:blip r:embed="rId8"/>
+          <a:stretch>
+            <a:fillRect/>
+          </a:stretch>
+        </p:blipFill>
+        <p:spPr>
+          <a:xfrm>
+            <a:off x="780133" y="-4443297"/>
+            <a:ext cx="10631734" cy="1901264"/>
           </a:xfrm>
           <a:prstGeom prst="rect">
             <a:avLst/>
           </a:prstGeom>
-          <a:noFill/>
-        </p:spPr>
-        <p:txBody>
-          <a:bodyPr wrap="square" rtlCol="0">
-            <a:spAutoFit/>
-          </a:bodyPr>
-          <a:lstStyle/>
-          <a:p>
-            <a:r>
-              <a:rPr lang="en-US" dirty="0">
-                <a:solidFill>
-                  <a:schemeClr val="bg1"/>
-                </a:solidFill>
-                <a:latin typeface="Cascadia Code" panose="020B0609020000020004" pitchFamily="49" charset="0"/>
-                <a:ea typeface="Cascadia Code" panose="020B0609020000020004" pitchFamily="49" charset="0"/>
-                <a:cs typeface="Cascadia Code" panose="020B0609020000020004" pitchFamily="49" charset="0"/>
-              </a:rPr>
-              <a:t>READ</a:t>
-            </a:r>
-            <a:endParaRPr lang="en-ID" dirty="0">
-              <a:solidFill>
-                <a:schemeClr val="bg1"/>
-              </a:solidFill>
-              <a:latin typeface="Cascadia Code" panose="020B0609020000020004" pitchFamily="49" charset="0"/>
-              <a:ea typeface="Cascadia Code" panose="020B0609020000020004" pitchFamily="49" charset="0"/>
-              <a:cs typeface="Cascadia Code" panose="020B0609020000020004" pitchFamily="49" charset="0"/>
-            </a:endParaRPr>
-          </a:p>
-        </p:txBody>
-      </p:sp>
+        </p:spPr>
+      </p:pic>
     </p:spTree>
     <p:extLst>
       <p:ext uri="{BB962C8B-B14F-4D97-AF65-F5344CB8AC3E}">
-        <p14:creationId xmlns:p14="http://schemas.microsoft.com/office/powerpoint/2010/main" val="1701665401"/>
+        <p14:creationId xmlns:p14="http://schemas.microsoft.com/office/powerpoint/2010/main" val="930662175"/>
       </p:ext>
     </p:extLst>
   </p:cSld>
@@ -9694,7 +10224,7 @@
         </p:blipFill>
         <p:spPr>
           <a:xfrm>
-            <a:off x="-12497995" y="649417"/>
+            <a:off x="623645" y="649417"/>
             <a:ext cx="1502516" cy="659079"/>
           </a:xfrm>
           <a:prstGeom prst="rect">
@@ -9729,7 +10259,7 @@
         </p:blipFill>
         <p:spPr>
           <a:xfrm>
-            <a:off x="-10102939" y="710135"/>
+            <a:off x="3018701" y="710135"/>
             <a:ext cx="8890468" cy="3622669"/>
           </a:xfrm>
           <a:prstGeom prst="rect">
@@ -9757,14 +10287,22 @@
           <p:nvPr/>
         </p:nvPicPr>
         <p:blipFill>
-          <a:blip r:embed="rId4"/>
+          <a:blip r:embed="rId4">
+            <a:extLst>
+              <a:ext uri="{BEBA8EAE-BF5A-486C-A8C5-ECC9F3942E4B}">
+                <a14:imgProps xmlns:a14="http://schemas.microsoft.com/office/drawing/2010/main">
+                  <a14:imgLayer r:embed="rId5"/>
+                </a14:imgProps>
+              </a:ext>
+            </a:extLst>
+          </a:blip>
           <a:stretch>
             <a:fillRect/>
           </a:stretch>
         </p:blipFill>
         <p:spPr>
           <a:xfrm>
-            <a:off x="-12497995" y="1772407"/>
+            <a:off x="623645" y="1772407"/>
             <a:ext cx="8549654" cy="4742637"/>
           </a:xfrm>
           <a:prstGeom prst="rect">
@@ -9787,10 +10325,10 @@
       </p:pic>
       <p:pic>
         <p:nvPicPr>
-          <p:cNvPr id="3" name="Picture 2">
+          <p:cNvPr id="14" name="Picture 13">
             <a:extLst>
               <a:ext uri="{FF2B5EF4-FFF2-40B4-BE49-F238E27FC236}">
-                <a16:creationId xmlns:a16="http://schemas.microsoft.com/office/drawing/2014/main" id="{1D3A3385-7810-4B92-80F1-C5D5F7092248}"/>
+                <a16:creationId xmlns:a16="http://schemas.microsoft.com/office/drawing/2014/main" id="{F35B92CB-966E-41C2-95C3-95DE267EA2CD}"/>
               </a:ext>
             </a:extLst>
           </p:cNvPr>
@@ -9800,14 +10338,14 @@
           <p:nvPr/>
         </p:nvPicPr>
         <p:blipFill>
-          <a:blip r:embed="rId5"/>
+          <a:blip r:embed="rId6"/>
           <a:stretch>
             <a:fillRect/>
           </a:stretch>
         </p:blipFill>
         <p:spPr>
           <a:xfrm>
-            <a:off x="574816" y="841804"/>
+            <a:off x="13785580" y="841804"/>
             <a:ext cx="11042368" cy="5753511"/>
           </a:xfrm>
           <a:prstGeom prst="rect">
@@ -9822,10 +10360,10 @@
       </p:pic>
       <p:sp>
         <p:nvSpPr>
-          <p:cNvPr id="14" name="TextBox 13">
+          <p:cNvPr id="17" name="TextBox 16">
             <a:extLst>
               <a:ext uri="{FF2B5EF4-FFF2-40B4-BE49-F238E27FC236}">
-                <a16:creationId xmlns:a16="http://schemas.microsoft.com/office/drawing/2014/main" id="{BF0C73F4-42BE-48D8-9C16-87A3DE4366A6}"/>
+                <a16:creationId xmlns:a16="http://schemas.microsoft.com/office/drawing/2014/main" id="{77EF4987-5EA1-4C2F-B37F-B5632D8EB136}"/>
               </a:ext>
             </a:extLst>
           </p:cNvPr>
@@ -9834,7 +10372,7 @@
         </p:nvSpPr>
         <p:spPr>
           <a:xfrm>
-            <a:off x="-10102939" y="280085"/>
+            <a:off x="3018701" y="280085"/>
             <a:ext cx="4695958" cy="369332"/>
           </a:xfrm>
           <a:prstGeom prst="rect">
@@ -9872,10 +10410,10 @@
       </p:sp>
       <p:sp>
         <p:nvSpPr>
-          <p:cNvPr id="17" name="TextBox 16">
+          <p:cNvPr id="18" name="TextBox 17">
             <a:extLst>
               <a:ext uri="{FF2B5EF4-FFF2-40B4-BE49-F238E27FC236}">
-                <a16:creationId xmlns:a16="http://schemas.microsoft.com/office/drawing/2014/main" id="{5BBA0E19-10C8-42EA-876F-23D3889D1120}"/>
+                <a16:creationId xmlns:a16="http://schemas.microsoft.com/office/drawing/2014/main" id="{2A4B9539-1121-4A39-9B17-0AAFAB2313A8}"/>
               </a:ext>
             </a:extLst>
           </p:cNvPr>
@@ -9884,7 +10422,7 @@
         </p:nvSpPr>
         <p:spPr>
           <a:xfrm>
-            <a:off x="574816" y="432485"/>
+            <a:off x="13785580" y="432485"/>
             <a:ext cx="4695958" cy="369332"/>
           </a:xfrm>
           <a:prstGeom prst="rect">
@@ -9920,44 +10458,10 @@
           </a:p>
         </p:txBody>
       </p:sp>
-      <p:pic>
-        <p:nvPicPr>
-          <p:cNvPr id="18" name="Picture 17">
-            <a:extLst>
-              <a:ext uri="{FF2B5EF4-FFF2-40B4-BE49-F238E27FC236}">
-                <a16:creationId xmlns:a16="http://schemas.microsoft.com/office/drawing/2014/main" id="{CFB04FAC-9F07-4AA7-9B8C-F44DF04CF060}"/>
-              </a:ext>
-            </a:extLst>
-          </p:cNvPr>
-          <p:cNvPicPr>
-            <a:picLocks noChangeAspect="1"/>
-          </p:cNvPicPr>
-          <p:nvPr/>
-        </p:nvPicPr>
-        <p:blipFill rotWithShape="1">
-          <a:blip r:embed="rId6"/>
-          <a:srcRect b="52676"/>
-          <a:stretch/>
-        </p:blipFill>
-        <p:spPr>
-          <a:xfrm>
-            <a:off x="14061354" y="2631586"/>
-            <a:ext cx="8453289" cy="2003902"/>
-          </a:xfrm>
-          <a:prstGeom prst="rect">
-            <a:avLst/>
-          </a:prstGeom>
-          <a:ln>
-            <a:solidFill>
-              <a:srgbClr val="92D050"/>
-            </a:solidFill>
-          </a:ln>
-        </p:spPr>
-      </p:pic>
     </p:spTree>
     <p:extLst>
       <p:ext uri="{BB962C8B-B14F-4D97-AF65-F5344CB8AC3E}">
-        <p14:creationId xmlns:p14="http://schemas.microsoft.com/office/powerpoint/2010/main" val="39217492"/>
+        <p14:creationId xmlns:p14="http://schemas.microsoft.com/office/powerpoint/2010/main" val="1701665401"/>
       </p:ext>
     </p:extLst>
   </p:cSld>
@@ -10050,10 +10554,10 @@
       </p:sp>
       <p:pic>
         <p:nvPicPr>
-          <p:cNvPr id="3" name="Picture 2">
+          <p:cNvPr id="2" name="Picture 1">
             <a:extLst>
               <a:ext uri="{FF2B5EF4-FFF2-40B4-BE49-F238E27FC236}">
-                <a16:creationId xmlns:a16="http://schemas.microsoft.com/office/drawing/2014/main" id="{1D3A3385-7810-4B92-80F1-C5D5F7092248}"/>
+                <a16:creationId xmlns:a16="http://schemas.microsoft.com/office/drawing/2014/main" id="{3B8810C3-02C5-4718-BCD9-3FE341D4DAC1}"/>
               </a:ext>
             </a:extLst>
           </p:cNvPr>
@@ -10070,8 +10574,8 @@
         </p:blipFill>
         <p:spPr>
           <a:xfrm>
-            <a:off x="574816" y="841804"/>
-            <a:ext cx="5358005" cy="2791733"/>
+            <a:off x="-12497995" y="649417"/>
+            <a:ext cx="1502516" cy="659079"/>
           </a:xfrm>
           <a:prstGeom prst="rect">
             <a:avLst/>
@@ -10083,62 +10587,12 @@
           </a:ln>
         </p:spPr>
       </p:pic>
-      <p:sp>
-        <p:nvSpPr>
-          <p:cNvPr id="17" name="TextBox 16">
-            <a:extLst>
-              <a:ext uri="{FF2B5EF4-FFF2-40B4-BE49-F238E27FC236}">
-                <a16:creationId xmlns:a16="http://schemas.microsoft.com/office/drawing/2014/main" id="{5BBA0E19-10C8-42EA-876F-23D3889D1120}"/>
-              </a:ext>
-            </a:extLst>
-          </p:cNvPr>
-          <p:cNvSpPr txBox="1"/>
-          <p:nvPr/>
-        </p:nvSpPr>
-        <p:spPr>
-          <a:xfrm>
-            <a:off x="574816" y="432485"/>
-            <a:ext cx="4695958" cy="369332"/>
-          </a:xfrm>
-          <a:prstGeom prst="rect">
-            <a:avLst/>
-          </a:prstGeom>
-          <a:noFill/>
-        </p:spPr>
-        <p:txBody>
-          <a:bodyPr wrap="square" rtlCol="0">
-            <a:spAutoFit/>
-          </a:bodyPr>
-          <a:lstStyle/>
-          <a:p>
-            <a:r>
-              <a:rPr lang="en-US" dirty="0">
-                <a:solidFill>
-                  <a:schemeClr val="bg1"/>
-                </a:solidFill>
-                <a:latin typeface="Cascadia Code" panose="020B0609020000020004" pitchFamily="49" charset="0"/>
-                <a:ea typeface="Cascadia Code" panose="020B0609020000020004" pitchFamily="49" charset="0"/>
-                <a:cs typeface="Cascadia Code" panose="020B0609020000020004" pitchFamily="49" charset="0"/>
-              </a:rPr>
-              <a:t>READ</a:t>
-            </a:r>
-            <a:endParaRPr lang="en-ID" dirty="0">
-              <a:solidFill>
-                <a:schemeClr val="bg1"/>
-              </a:solidFill>
-              <a:latin typeface="Cascadia Code" panose="020B0609020000020004" pitchFamily="49" charset="0"/>
-              <a:ea typeface="Cascadia Code" panose="020B0609020000020004" pitchFamily="49" charset="0"/>
-              <a:cs typeface="Cascadia Code" panose="020B0609020000020004" pitchFamily="49" charset="0"/>
-            </a:endParaRPr>
-          </a:p>
-        </p:txBody>
-      </p:sp>
       <p:pic>
         <p:nvPicPr>
-          <p:cNvPr id="4" name="Picture 3">
+          <p:cNvPr id="15" name="Picture 14">
             <a:extLst>
               <a:ext uri="{FF2B5EF4-FFF2-40B4-BE49-F238E27FC236}">
-                <a16:creationId xmlns:a16="http://schemas.microsoft.com/office/drawing/2014/main" id="{356F803A-B9BF-4639-8DEE-76C4396E9920}"/>
+                <a16:creationId xmlns:a16="http://schemas.microsoft.com/office/drawing/2014/main" id="{CEFDE84A-9D41-4A3E-87B7-43C4720D8806}"/>
               </a:ext>
             </a:extLst>
           </p:cNvPr>
@@ -10147,32 +10601,33 @@
           </p:cNvPicPr>
           <p:nvPr/>
         </p:nvPicPr>
-        <p:blipFill rotWithShape="1">
+        <p:blipFill>
           <a:blip r:embed="rId3"/>
-          <a:srcRect b="52676"/>
-          <a:stretch/>
+          <a:stretch>
+            <a:fillRect/>
+          </a:stretch>
         </p:blipFill>
         <p:spPr>
           <a:xfrm>
-            <a:off x="1869355" y="2631586"/>
-            <a:ext cx="8453289" cy="2003902"/>
+            <a:off x="-10102939" y="710135"/>
+            <a:ext cx="8890468" cy="3622669"/>
           </a:xfrm>
           <a:prstGeom prst="rect">
             <a:avLst/>
           </a:prstGeom>
           <a:ln>
             <a:solidFill>
-              <a:srgbClr val="92D050"/>
+              <a:srgbClr val="C4CBD0"/>
             </a:solidFill>
           </a:ln>
         </p:spPr>
       </p:pic>
       <p:pic>
         <p:nvPicPr>
-          <p:cNvPr id="11" name="Picture 10">
+          <p:cNvPr id="16" name="Picture 15">
             <a:extLst>
               <a:ext uri="{FF2B5EF4-FFF2-40B4-BE49-F238E27FC236}">
-                <a16:creationId xmlns:a16="http://schemas.microsoft.com/office/drawing/2014/main" id="{F4BBC9B6-6A04-4A3D-8262-94552DC99CD8}"/>
+                <a16:creationId xmlns:a16="http://schemas.microsoft.com/office/drawing/2014/main" id="{3EC3C00B-ACB8-4F57-B125-652C68658353}"/>
               </a:ext>
             </a:extLst>
           </p:cNvPr>
@@ -10189,20 +10644,168 @@
         </p:blipFill>
         <p:spPr>
           <a:xfrm>
-            <a:off x="13996148" y="1206337"/>
-            <a:ext cx="9007621" cy="5014395"/>
+            <a:off x="-12497995" y="1772407"/>
+            <a:ext cx="8549654" cy="4742637"/>
           </a:xfrm>
           <a:prstGeom prst="rect">
             <a:avLst/>
           </a:prstGeom>
+          <a:noFill/>
+          <a:ln>
+            <a:solidFill>
+              <a:srgbClr val="92D050"/>
+            </a:solidFill>
+          </a:ln>
+          <a:effectLst>
+            <a:glow rad="127000">
+              <a:schemeClr val="accent1">
+                <a:alpha val="0"/>
+              </a:schemeClr>
+            </a:glow>
+          </a:effectLst>
         </p:spPr>
       </p:pic>
       <p:pic>
         <p:nvPicPr>
-          <p:cNvPr id="12" name="Picture 11">
+          <p:cNvPr id="3" name="Picture 2">
             <a:extLst>
               <a:ext uri="{FF2B5EF4-FFF2-40B4-BE49-F238E27FC236}">
-                <a16:creationId xmlns:a16="http://schemas.microsoft.com/office/drawing/2014/main" id="{0C0687F0-55D0-46D6-89EC-270B442E7DAE}"/>
+                <a16:creationId xmlns:a16="http://schemas.microsoft.com/office/drawing/2014/main" id="{1D3A3385-7810-4B92-80F1-C5D5F7092248}"/>
+              </a:ext>
+            </a:extLst>
+          </p:cNvPr>
+          <p:cNvPicPr>
+            <a:picLocks noChangeAspect="1"/>
+          </p:cNvPicPr>
+          <p:nvPr/>
+        </p:nvPicPr>
+        <p:blipFill>
+          <a:blip r:embed="rId5"/>
+          <a:stretch>
+            <a:fillRect/>
+          </a:stretch>
+        </p:blipFill>
+        <p:spPr>
+          <a:xfrm>
+            <a:off x="574816" y="841804"/>
+            <a:ext cx="11042368" cy="5753511"/>
+          </a:xfrm>
+          <a:prstGeom prst="rect">
+            <a:avLst/>
+          </a:prstGeom>
+          <a:ln>
+            <a:solidFill>
+              <a:srgbClr val="92D050"/>
+            </a:solidFill>
+          </a:ln>
+        </p:spPr>
+      </p:pic>
+      <p:sp>
+        <p:nvSpPr>
+          <p:cNvPr id="14" name="TextBox 13">
+            <a:extLst>
+              <a:ext uri="{FF2B5EF4-FFF2-40B4-BE49-F238E27FC236}">
+                <a16:creationId xmlns:a16="http://schemas.microsoft.com/office/drawing/2014/main" id="{BF0C73F4-42BE-48D8-9C16-87A3DE4366A6}"/>
+              </a:ext>
+            </a:extLst>
+          </p:cNvPr>
+          <p:cNvSpPr txBox="1"/>
+          <p:nvPr/>
+        </p:nvSpPr>
+        <p:spPr>
+          <a:xfrm>
+            <a:off x="-10102939" y="280085"/>
+            <a:ext cx="4695958" cy="369332"/>
+          </a:xfrm>
+          <a:prstGeom prst="rect">
+            <a:avLst/>
+          </a:prstGeom>
+          <a:noFill/>
+        </p:spPr>
+        <p:txBody>
+          <a:bodyPr wrap="square" rtlCol="0">
+            <a:spAutoFit/>
+          </a:bodyPr>
+          <a:lstStyle/>
+          <a:p>
+            <a:r>
+              <a:rPr lang="en-US" dirty="0">
+                <a:solidFill>
+                  <a:schemeClr val="bg1"/>
+                </a:solidFill>
+                <a:latin typeface="Cascadia Code" panose="020B0609020000020004" pitchFamily="49" charset="0"/>
+                <a:ea typeface="Cascadia Code" panose="020B0609020000020004" pitchFamily="49" charset="0"/>
+                <a:cs typeface="Cascadia Code" panose="020B0609020000020004" pitchFamily="49" charset="0"/>
+              </a:rPr>
+              <a:t>CREATE</a:t>
+            </a:r>
+            <a:endParaRPr lang="en-ID" dirty="0">
+              <a:solidFill>
+                <a:schemeClr val="bg1"/>
+              </a:solidFill>
+              <a:latin typeface="Cascadia Code" panose="020B0609020000020004" pitchFamily="49" charset="0"/>
+              <a:ea typeface="Cascadia Code" panose="020B0609020000020004" pitchFamily="49" charset="0"/>
+              <a:cs typeface="Cascadia Code" panose="020B0609020000020004" pitchFamily="49" charset="0"/>
+            </a:endParaRPr>
+          </a:p>
+        </p:txBody>
+      </p:sp>
+      <p:sp>
+        <p:nvSpPr>
+          <p:cNvPr id="17" name="TextBox 16">
+            <a:extLst>
+              <a:ext uri="{FF2B5EF4-FFF2-40B4-BE49-F238E27FC236}">
+                <a16:creationId xmlns:a16="http://schemas.microsoft.com/office/drawing/2014/main" id="{5BBA0E19-10C8-42EA-876F-23D3889D1120}"/>
+              </a:ext>
+            </a:extLst>
+          </p:cNvPr>
+          <p:cNvSpPr txBox="1"/>
+          <p:nvPr/>
+        </p:nvSpPr>
+        <p:spPr>
+          <a:xfrm>
+            <a:off x="574816" y="432485"/>
+            <a:ext cx="4695958" cy="369332"/>
+          </a:xfrm>
+          <a:prstGeom prst="rect">
+            <a:avLst/>
+          </a:prstGeom>
+          <a:noFill/>
+        </p:spPr>
+        <p:txBody>
+          <a:bodyPr wrap="square" rtlCol="0">
+            <a:spAutoFit/>
+          </a:bodyPr>
+          <a:lstStyle/>
+          <a:p>
+            <a:r>
+              <a:rPr lang="en-US" dirty="0">
+                <a:solidFill>
+                  <a:schemeClr val="bg1"/>
+                </a:solidFill>
+                <a:latin typeface="Cascadia Code" panose="020B0609020000020004" pitchFamily="49" charset="0"/>
+                <a:ea typeface="Cascadia Code" panose="020B0609020000020004" pitchFamily="49" charset="0"/>
+                <a:cs typeface="Cascadia Code" panose="020B0609020000020004" pitchFamily="49" charset="0"/>
+              </a:rPr>
+              <a:t>READ</a:t>
+            </a:r>
+            <a:endParaRPr lang="en-ID" dirty="0">
+              <a:solidFill>
+                <a:schemeClr val="bg1"/>
+              </a:solidFill>
+              <a:latin typeface="Cascadia Code" panose="020B0609020000020004" pitchFamily="49" charset="0"/>
+              <a:ea typeface="Cascadia Code" panose="020B0609020000020004" pitchFamily="49" charset="0"/>
+              <a:cs typeface="Cascadia Code" panose="020B0609020000020004" pitchFamily="49" charset="0"/>
+            </a:endParaRPr>
+          </a:p>
+        </p:txBody>
+      </p:sp>
+      <p:pic>
+        <p:nvPicPr>
+          <p:cNvPr id="18" name="Picture 17">
+            <a:extLst>
+              <a:ext uri="{FF2B5EF4-FFF2-40B4-BE49-F238E27FC236}">
+                <a16:creationId xmlns:a16="http://schemas.microsoft.com/office/drawing/2014/main" id="{CFB04FAC-9F07-4AA7-9B8C-F44DF04CF060}"/>
               </a:ext>
             </a:extLst>
           </p:cNvPr>
@@ -10212,13 +10815,13 @@
           <p:nvPr/>
         </p:nvPicPr>
         <p:blipFill rotWithShape="1">
-          <a:blip r:embed="rId3"/>
-          <a:srcRect l="-193" t="52676" r="193"/>
+          <a:blip r:embed="rId6"/>
+          <a:srcRect b="52676"/>
           <a:stretch/>
         </p:blipFill>
         <p:spPr>
           <a:xfrm>
-            <a:off x="14187579" y="2631586"/>
+            <a:off x="14061354" y="2631586"/>
             <a:ext cx="8453289" cy="2003902"/>
           </a:xfrm>
           <a:prstGeom prst="rect">
@@ -10234,7 +10837,7 @@
     </p:spTree>
     <p:extLst>
       <p:ext uri="{BB962C8B-B14F-4D97-AF65-F5344CB8AC3E}">
-        <p14:creationId xmlns:p14="http://schemas.microsoft.com/office/powerpoint/2010/main" val="396200065"/>
+        <p14:creationId xmlns:p14="http://schemas.microsoft.com/office/powerpoint/2010/main" val="39217492"/>
       </p:ext>
     </p:extLst>
   </p:cSld>
@@ -10412,10 +11015,10 @@
       </p:sp>
       <p:pic>
         <p:nvPicPr>
-          <p:cNvPr id="7" name="Picture 6">
+          <p:cNvPr id="4" name="Picture 3">
             <a:extLst>
               <a:ext uri="{FF2B5EF4-FFF2-40B4-BE49-F238E27FC236}">
-                <a16:creationId xmlns:a16="http://schemas.microsoft.com/office/drawing/2014/main" id="{4B3DECC9-DF84-4FED-A9AA-B0CFA8647A99}"/>
+                <a16:creationId xmlns:a16="http://schemas.microsoft.com/office/drawing/2014/main" id="{356F803A-B9BF-4639-8DEE-76C4396E9920}"/>
               </a:ext>
             </a:extLst>
           </p:cNvPr>
@@ -10431,8 +11034,8 @@
         </p:blipFill>
         <p:spPr>
           <a:xfrm>
-            <a:off x="6510551" y="1572803"/>
-            <a:ext cx="5358005" cy="1270146"/>
+            <a:off x="1869355" y="2631586"/>
+            <a:ext cx="8453289" cy="2003902"/>
           </a:xfrm>
           <a:prstGeom prst="rect">
             <a:avLst/>
@@ -10446,10 +11049,10 @@
       </p:pic>
       <p:pic>
         <p:nvPicPr>
-          <p:cNvPr id="9" name="Picture 8">
+          <p:cNvPr id="11" name="Picture 10">
             <a:extLst>
               <a:ext uri="{FF2B5EF4-FFF2-40B4-BE49-F238E27FC236}">
-                <a16:creationId xmlns:a16="http://schemas.microsoft.com/office/drawing/2014/main" id="{2F6AAEF7-21F6-46CD-969B-253FB37BE743}"/>
+                <a16:creationId xmlns:a16="http://schemas.microsoft.com/office/drawing/2014/main" id="{F4BBC9B6-6A04-4A3D-8262-94552DC99CD8}"/>
               </a:ext>
             </a:extLst>
           </p:cNvPr>
@@ -10466,7 +11069,7 @@
         </p:blipFill>
         <p:spPr>
           <a:xfrm>
-            <a:off x="1429010" y="1206337"/>
+            <a:off x="13996148" y="1206337"/>
             <a:ext cx="9007621" cy="5014395"/>
           </a:xfrm>
           <a:prstGeom prst="rect">
@@ -10476,10 +11079,10 @@
       </p:pic>
       <p:pic>
         <p:nvPicPr>
-          <p:cNvPr id="6" name="Picture 5">
+          <p:cNvPr id="12" name="Picture 11">
             <a:extLst>
               <a:ext uri="{FF2B5EF4-FFF2-40B4-BE49-F238E27FC236}">
-                <a16:creationId xmlns:a16="http://schemas.microsoft.com/office/drawing/2014/main" id="{D9758C7C-E860-496A-9A59-E7C44782B0C5}"/>
+                <a16:creationId xmlns:a16="http://schemas.microsoft.com/office/drawing/2014/main" id="{0C0687F0-55D0-46D6-89EC-270B442E7DAE}"/>
               </a:ext>
             </a:extLst>
           </p:cNvPr>
@@ -10511,7 +11114,7 @@
     </p:spTree>
     <p:extLst>
       <p:ext uri="{BB962C8B-B14F-4D97-AF65-F5344CB8AC3E}">
-        <p14:creationId xmlns:p14="http://schemas.microsoft.com/office/powerpoint/2010/main" val="1617233589"/>
+        <p14:creationId xmlns:p14="http://schemas.microsoft.com/office/powerpoint/2010/main" val="396200065"/>
       </p:ext>
     </p:extLst>
   </p:cSld>
@@ -10689,6 +11292,40 @@
       </p:sp>
       <p:pic>
         <p:nvPicPr>
+          <p:cNvPr id="7" name="Picture 6">
+            <a:extLst>
+              <a:ext uri="{FF2B5EF4-FFF2-40B4-BE49-F238E27FC236}">
+                <a16:creationId xmlns:a16="http://schemas.microsoft.com/office/drawing/2014/main" id="{4B3DECC9-DF84-4FED-A9AA-B0CFA8647A99}"/>
+              </a:ext>
+            </a:extLst>
+          </p:cNvPr>
+          <p:cNvPicPr>
+            <a:picLocks noChangeAspect="1"/>
+          </p:cNvPicPr>
+          <p:nvPr/>
+        </p:nvPicPr>
+        <p:blipFill rotWithShape="1">
+          <a:blip r:embed="rId3"/>
+          <a:srcRect b="52676"/>
+          <a:stretch/>
+        </p:blipFill>
+        <p:spPr>
+          <a:xfrm>
+            <a:off x="6510551" y="1572803"/>
+            <a:ext cx="5358005" cy="1270146"/>
+          </a:xfrm>
+          <a:prstGeom prst="rect">
+            <a:avLst/>
+          </a:prstGeom>
+          <a:ln>
+            <a:solidFill>
+              <a:srgbClr val="92D050"/>
+            </a:solidFill>
+          </a:ln>
+        </p:spPr>
+      </p:pic>
+      <p:pic>
+        <p:nvPicPr>
           <p:cNvPr id="9" name="Picture 8">
             <a:extLst>
               <a:ext uri="{FF2B5EF4-FFF2-40B4-BE49-F238E27FC236}">
@@ -10702,15 +11339,15 @@
           <p:nvPr/>
         </p:nvPicPr>
         <p:blipFill>
-          <a:blip r:embed="rId3"/>
+          <a:blip r:embed="rId4"/>
           <a:stretch>
             <a:fillRect/>
           </a:stretch>
         </p:blipFill>
         <p:spPr>
           <a:xfrm>
-            <a:off x="903061" y="3875286"/>
-            <a:ext cx="4695958" cy="2614163"/>
+            <a:off x="1429010" y="1206337"/>
+            <a:ext cx="9007621" cy="5014395"/>
           </a:xfrm>
           <a:prstGeom prst="rect">
             <a:avLst/>
@@ -10719,10 +11356,10 @@
       </p:pic>
       <p:pic>
         <p:nvPicPr>
-          <p:cNvPr id="7" name="Picture 6">
+          <p:cNvPr id="6" name="Picture 5">
             <a:extLst>
               <a:ext uri="{FF2B5EF4-FFF2-40B4-BE49-F238E27FC236}">
-                <a16:creationId xmlns:a16="http://schemas.microsoft.com/office/drawing/2014/main" id="{4B3DECC9-DF84-4FED-A9AA-B0CFA8647A99}"/>
+                <a16:creationId xmlns:a16="http://schemas.microsoft.com/office/drawing/2014/main" id="{D9758C7C-E860-496A-9A59-E7C44782B0C5}"/>
               </a:ext>
             </a:extLst>
           </p:cNvPr>
@@ -10732,14 +11369,14 @@
           <p:nvPr/>
         </p:nvPicPr>
         <p:blipFill rotWithShape="1">
-          <a:blip r:embed="rId4"/>
-          <a:srcRect b="52676"/>
+          <a:blip r:embed="rId3"/>
+          <a:srcRect l="-193" t="52676" r="193"/>
           <a:stretch/>
         </p:blipFill>
         <p:spPr>
           <a:xfrm>
-            <a:off x="6510551" y="1572803"/>
-            <a:ext cx="5358005" cy="1270146"/>
+            <a:off x="14187579" y="2631586"/>
+            <a:ext cx="8453289" cy="2003902"/>
           </a:xfrm>
           <a:prstGeom prst="rect">
             <a:avLst/>
@@ -10751,44 +11388,10 @@
           </a:ln>
         </p:spPr>
       </p:pic>
-      <p:pic>
-        <p:nvPicPr>
-          <p:cNvPr id="6" name="Picture 5">
-            <a:extLst>
-              <a:ext uri="{FF2B5EF4-FFF2-40B4-BE49-F238E27FC236}">
-                <a16:creationId xmlns:a16="http://schemas.microsoft.com/office/drawing/2014/main" id="{D9758C7C-E860-496A-9A59-E7C44782B0C5}"/>
-              </a:ext>
-            </a:extLst>
-          </p:cNvPr>
-          <p:cNvPicPr>
-            <a:picLocks noChangeAspect="1"/>
-          </p:cNvPicPr>
-          <p:nvPr/>
-        </p:nvPicPr>
-        <p:blipFill rotWithShape="1">
-          <a:blip r:embed="rId4"/>
-          <a:srcRect l="-193" t="52676" r="193"/>
-          <a:stretch/>
-        </p:blipFill>
-        <p:spPr>
-          <a:xfrm>
-            <a:off x="1823635" y="2631586"/>
-            <a:ext cx="8453289" cy="2003902"/>
-          </a:xfrm>
-          <a:prstGeom prst="rect">
-            <a:avLst/>
-          </a:prstGeom>
-          <a:ln>
-            <a:solidFill>
-              <a:srgbClr val="92D050"/>
-            </a:solidFill>
-          </a:ln>
-        </p:spPr>
-      </p:pic>
     </p:spTree>
     <p:extLst>
       <p:ext uri="{BB962C8B-B14F-4D97-AF65-F5344CB8AC3E}">
-        <p14:creationId xmlns:p14="http://schemas.microsoft.com/office/powerpoint/2010/main" val="2026342527"/>
+        <p14:creationId xmlns:p14="http://schemas.microsoft.com/office/powerpoint/2010/main" val="1617233589"/>
       </p:ext>
     </p:extLst>
   </p:cSld>
@@ -11049,8 +11652,8 @@
         </p:blipFill>
         <p:spPr>
           <a:xfrm>
-            <a:off x="6510550" y="4564304"/>
-            <a:ext cx="5358005" cy="1270146"/>
+            <a:off x="1823635" y="2631586"/>
+            <a:ext cx="8453289" cy="2003902"/>
           </a:xfrm>
           <a:prstGeom prst="rect">
             <a:avLst/>
@@ -11065,7 +11668,7 @@
     </p:spTree>
     <p:extLst>
       <p:ext uri="{BB962C8B-B14F-4D97-AF65-F5344CB8AC3E}">
-        <p14:creationId xmlns:p14="http://schemas.microsoft.com/office/powerpoint/2010/main" val="3693797812"/>
+        <p14:creationId xmlns:p14="http://schemas.microsoft.com/office/powerpoint/2010/main" val="2026342527"/>
       </p:ext>
     </p:extLst>
   </p:cSld>
